--- a/Jost.pptx
+++ b/Jost.pptx
@@ -2,29 +2,30 @@
 <file path=ppt/presentation.xml><?xml version="1.0" encoding="utf-8"?>
 <p:presentation xmlns:a="http://schemas.openxmlformats.org/drawingml/2006/main" xmlns:r="http://schemas.openxmlformats.org/officeDocument/2006/relationships" xmlns:p="http://schemas.openxmlformats.org/presentationml/2006/main" saveSubsetFonts="1">
   <p:sldMasterIdLst>
-    <p:sldMasterId id="2147483648" r:id="rId1"/>
+    <p:sldMasterId id="2147483648" r:id="rId4"/>
   </p:sldMasterIdLst>
   <p:sldIdLst>
-    <p:sldId id="256" r:id="rId2"/>
-    <p:sldId id="257" r:id="rId3"/>
-    <p:sldId id="258" r:id="rId4"/>
-    <p:sldId id="259" r:id="rId5"/>
-    <p:sldId id="260" r:id="rId6"/>
-    <p:sldId id="261" r:id="rId7"/>
-    <p:sldId id="262" r:id="rId8"/>
-    <p:sldId id="263" r:id="rId9"/>
-    <p:sldId id="264" r:id="rId10"/>
-    <p:sldId id="265" r:id="rId11"/>
-    <p:sldId id="266" r:id="rId12"/>
-    <p:sldId id="267" r:id="rId13"/>
-    <p:sldId id="268" r:id="rId14"/>
-    <p:sldId id="269" r:id="rId15"/>
-    <p:sldId id="270" r:id="rId16"/>
-    <p:sldId id="271" r:id="rId17"/>
-    <p:sldId id="272" r:id="rId18"/>
-    <p:sldId id="273" r:id="rId19"/>
-    <p:sldId id="274" r:id="rId20"/>
-    <p:sldId id="275" r:id="rId21"/>
+    <p:sldId id="256" r:id="rId5"/>
+    <p:sldId id="257" r:id="rId6"/>
+    <p:sldId id="260" r:id="rId7"/>
+    <p:sldId id="258" r:id="rId8"/>
+    <p:sldId id="259" r:id="rId9"/>
+    <p:sldId id="276" r:id="rId10"/>
+    <p:sldId id="261" r:id="rId11"/>
+    <p:sldId id="262" r:id="rId12"/>
+    <p:sldId id="263" r:id="rId13"/>
+    <p:sldId id="264" r:id="rId14"/>
+    <p:sldId id="265" r:id="rId15"/>
+    <p:sldId id="266" r:id="rId16"/>
+    <p:sldId id="267" r:id="rId17"/>
+    <p:sldId id="268" r:id="rId18"/>
+    <p:sldId id="269" r:id="rId19"/>
+    <p:sldId id="270" r:id="rId20"/>
+    <p:sldId id="271" r:id="rId21"/>
+    <p:sldId id="272" r:id="rId22"/>
+    <p:sldId id="273" r:id="rId23"/>
+    <p:sldId id="274" r:id="rId24"/>
+    <p:sldId id="275" r:id="rId25"/>
   </p:sldIdLst>
   <p:sldSz cx="12192000" cy="6858000"/>
   <p:notesSz cx="6858000" cy="9144000"/>
@@ -129,15 +130,6 @@
     </p:ext>
   </p:extLst>
 </p:presentation>
-</file>
-
-<file path=ppt/revisionInfo.xml><?xml version="1.0" encoding="utf-8"?>
-<p1510:revInfo xmlns:a="http://schemas.openxmlformats.org/drawingml/2006/main" xmlns:r="http://schemas.openxmlformats.org/officeDocument/2006/relationships" xmlns:p1510="http://schemas.microsoft.com/office/powerpoint/2015/10/main">
-  <p1510:revLst>
-    <p1510:client id="{0072FA18-2639-7553-701E-5041297BD3AF}" v="16" dt="2023-01-07T15:57:36.171"/>
-    <p1510:client id="{73A2AFBE-D3A8-4FCE-8276-BDCA85BC6C53}" v="51" dt="2023-01-07T15:55:31.205"/>
-  </p1510:revLst>
-</p1510:revInfo>
 </file>
 
 <file path=ppt/slideLayouts/slideLayout1.xml><?xml version="1.0" encoding="utf-8"?>
@@ -3450,7 +3442,7 @@
           <p:cNvPr id="2" name="Nadpis 1">
             <a:extLst>
               <a:ext uri="{FF2B5EF4-FFF2-40B4-BE49-F238E27FC236}">
-                <a16:creationId xmlns:a16="http://schemas.microsoft.com/office/drawing/2014/main" id="{14A7A6CC-549F-DF94-A86E-E52CDDB54491}"/>
+                <a16:creationId xmlns:a16="http://schemas.microsoft.com/office/drawing/2014/main" id="{1BB8C4C3-F82A-1FBD-FB19-A54D30B1F450}"/>
               </a:ext>
             </a:extLst>
           </p:cNvPr>
@@ -3475,7 +3467,7 @@
           <p:cNvPr id="3" name="Zástupný obsah 2">
             <a:extLst>
               <a:ext uri="{FF2B5EF4-FFF2-40B4-BE49-F238E27FC236}">
-                <a16:creationId xmlns:a16="http://schemas.microsoft.com/office/drawing/2014/main" id="{4EA67607-4E26-6BC7-63D9-C4E746A7A030}"/>
+                <a16:creationId xmlns:a16="http://schemas.microsoft.com/office/drawing/2014/main" id="{CA3DC9B0-0453-02F4-0F0F-EE9E406F734E}"/>
               </a:ext>
             </a:extLst>
           </p:cNvPr>
@@ -3498,7 +3490,7 @@
     </p:spTree>
     <p:extLst>
       <p:ext uri="{BB962C8B-B14F-4D97-AF65-F5344CB8AC3E}">
-        <p14:creationId xmlns:p14="http://schemas.microsoft.com/office/powerpoint/2010/main" val="69561727"/>
+        <p14:creationId xmlns:p14="http://schemas.microsoft.com/office/powerpoint/2010/main" val="2622401637"/>
       </p:ext>
     </p:extLst>
   </p:cSld>
@@ -3530,7 +3522,7 @@
           <p:cNvPr id="2" name="Nadpis 1">
             <a:extLst>
               <a:ext uri="{FF2B5EF4-FFF2-40B4-BE49-F238E27FC236}">
-                <a16:creationId xmlns:a16="http://schemas.microsoft.com/office/drawing/2014/main" id="{A4C775C5-F79C-5288-B686-6E31144B8F11}"/>
+                <a16:creationId xmlns:a16="http://schemas.microsoft.com/office/drawing/2014/main" id="{14A7A6CC-549F-DF94-A86E-E52CDDB54491}"/>
               </a:ext>
             </a:extLst>
           </p:cNvPr>
@@ -3555,7 +3547,7 @@
           <p:cNvPr id="3" name="Zástupný obsah 2">
             <a:extLst>
               <a:ext uri="{FF2B5EF4-FFF2-40B4-BE49-F238E27FC236}">
-                <a16:creationId xmlns:a16="http://schemas.microsoft.com/office/drawing/2014/main" id="{D29AEF2D-5BE8-B27C-FA72-CF9F95F8DB41}"/>
+                <a16:creationId xmlns:a16="http://schemas.microsoft.com/office/drawing/2014/main" id="{4EA67607-4E26-6BC7-63D9-C4E746A7A030}"/>
               </a:ext>
             </a:extLst>
           </p:cNvPr>
@@ -3568,18 +3560,9 @@
         </p:nvSpPr>
         <p:spPr/>
         <p:txBody>
-          <a:bodyPr vert="horz" lIns="91440" tIns="45720" rIns="91440" bIns="45720" rtlCol="0" anchor="t">
-            <a:normAutofit/>
-          </a:bodyPr>
-          <a:lstStyle/>
-          <a:p>
-            <a:r>
-              <a:rPr lang="cs-CZ" dirty="0">
-                <a:ea typeface="+mn-lt"/>
-                <a:cs typeface="+mn-lt"/>
-              </a:rPr>
-              <a:t>https://en.wikipedia.org/wiki/Lego_Mindstorms</a:t>
-            </a:r>
+          <a:bodyPr/>
+          <a:lstStyle/>
+          <a:p>
             <a:endParaRPr lang="cs-CZ"/>
           </a:p>
         </p:txBody>
@@ -3587,7 +3570,7 @@
     </p:spTree>
     <p:extLst>
       <p:ext uri="{BB962C8B-B14F-4D97-AF65-F5344CB8AC3E}">
-        <p14:creationId xmlns:p14="http://schemas.microsoft.com/office/powerpoint/2010/main" val="3770240307"/>
+        <p14:creationId xmlns:p14="http://schemas.microsoft.com/office/powerpoint/2010/main" val="69561727"/>
       </p:ext>
     </p:extLst>
   </p:cSld>
@@ -3619,7 +3602,7 @@
           <p:cNvPr id="2" name="Nadpis 1">
             <a:extLst>
               <a:ext uri="{FF2B5EF4-FFF2-40B4-BE49-F238E27FC236}">
-                <a16:creationId xmlns:a16="http://schemas.microsoft.com/office/drawing/2014/main" id="{AA928EB2-BD9E-5078-A1C4-C5B136208795}"/>
+                <a16:creationId xmlns:a16="http://schemas.microsoft.com/office/drawing/2014/main" id="{A4C775C5-F79C-5288-B686-6E31144B8F11}"/>
               </a:ext>
             </a:extLst>
           </p:cNvPr>
@@ -3644,7 +3627,7 @@
           <p:cNvPr id="3" name="Zástupný obsah 2">
             <a:extLst>
               <a:ext uri="{FF2B5EF4-FFF2-40B4-BE49-F238E27FC236}">
-                <a16:creationId xmlns:a16="http://schemas.microsoft.com/office/drawing/2014/main" id="{8D05E010-3042-E7C0-F4D6-02EE0AECA607}"/>
+                <a16:creationId xmlns:a16="http://schemas.microsoft.com/office/drawing/2014/main" id="{D29AEF2D-5BE8-B27C-FA72-CF9F95F8DB41}"/>
               </a:ext>
             </a:extLst>
           </p:cNvPr>
@@ -3657,17 +3640,26 @@
         </p:nvSpPr>
         <p:spPr/>
         <p:txBody>
-          <a:bodyPr/>
-          <a:lstStyle/>
-          <a:p>
-            <a:endParaRPr lang="cs-CZ"/>
+          <a:bodyPr vert="horz" lIns="91440" tIns="45720" rIns="91440" bIns="45720" rtlCol="0" anchor="t">
+            <a:normAutofit/>
+          </a:bodyPr>
+          <a:lstStyle/>
+          <a:p>
+            <a:r>
+              <a:rPr lang="cs-CZ" dirty="0">
+                <a:ea typeface="+mn-lt"/>
+                <a:cs typeface="+mn-lt"/>
+              </a:rPr>
+              <a:t>https://en.wikipedia.org/wiki/Lego_Mindstorms</a:t>
+            </a:r>
+            <a:endParaRPr lang="cs-CZ" dirty="0"/>
           </a:p>
         </p:txBody>
       </p:sp>
     </p:spTree>
     <p:extLst>
       <p:ext uri="{BB962C8B-B14F-4D97-AF65-F5344CB8AC3E}">
-        <p14:creationId xmlns:p14="http://schemas.microsoft.com/office/powerpoint/2010/main" val="3910003612"/>
+        <p14:creationId xmlns:p14="http://schemas.microsoft.com/office/powerpoint/2010/main" val="3770240307"/>
       </p:ext>
     </p:extLst>
   </p:cSld>
@@ -3699,7 +3691,7 @@
           <p:cNvPr id="2" name="Nadpis 1">
             <a:extLst>
               <a:ext uri="{FF2B5EF4-FFF2-40B4-BE49-F238E27FC236}">
-                <a16:creationId xmlns:a16="http://schemas.microsoft.com/office/drawing/2014/main" id="{4D3E09F5-B5D5-31B2-8B8F-D728ED803858}"/>
+                <a16:creationId xmlns:a16="http://schemas.microsoft.com/office/drawing/2014/main" id="{AA928EB2-BD9E-5078-A1C4-C5B136208795}"/>
               </a:ext>
             </a:extLst>
           </p:cNvPr>
@@ -3724,7 +3716,7 @@
           <p:cNvPr id="3" name="Zástupný obsah 2">
             <a:extLst>
               <a:ext uri="{FF2B5EF4-FFF2-40B4-BE49-F238E27FC236}">
-                <a16:creationId xmlns:a16="http://schemas.microsoft.com/office/drawing/2014/main" id="{9C50CDAD-ED80-1405-3189-D2012990073B}"/>
+                <a16:creationId xmlns:a16="http://schemas.microsoft.com/office/drawing/2014/main" id="{8D05E010-3042-E7C0-F4D6-02EE0AECA607}"/>
               </a:ext>
             </a:extLst>
           </p:cNvPr>
@@ -3747,7 +3739,7 @@
     </p:spTree>
     <p:extLst>
       <p:ext uri="{BB962C8B-B14F-4D97-AF65-F5344CB8AC3E}">
-        <p14:creationId xmlns:p14="http://schemas.microsoft.com/office/powerpoint/2010/main" val="2842051602"/>
+        <p14:creationId xmlns:p14="http://schemas.microsoft.com/office/powerpoint/2010/main" val="3910003612"/>
       </p:ext>
     </p:extLst>
   </p:cSld>
@@ -3779,7 +3771,7 @@
           <p:cNvPr id="2" name="Nadpis 1">
             <a:extLst>
               <a:ext uri="{FF2B5EF4-FFF2-40B4-BE49-F238E27FC236}">
-                <a16:creationId xmlns:a16="http://schemas.microsoft.com/office/drawing/2014/main" id="{BE0C7E5D-4A6E-9D1D-12F7-C31DB7F1F3E7}"/>
+                <a16:creationId xmlns:a16="http://schemas.microsoft.com/office/drawing/2014/main" id="{4D3E09F5-B5D5-31B2-8B8F-D728ED803858}"/>
               </a:ext>
             </a:extLst>
           </p:cNvPr>
@@ -3804,7 +3796,7 @@
           <p:cNvPr id="3" name="Zástupný obsah 2">
             <a:extLst>
               <a:ext uri="{FF2B5EF4-FFF2-40B4-BE49-F238E27FC236}">
-                <a16:creationId xmlns:a16="http://schemas.microsoft.com/office/drawing/2014/main" id="{365640BE-034F-842F-AED9-4A94E8697D53}"/>
+                <a16:creationId xmlns:a16="http://schemas.microsoft.com/office/drawing/2014/main" id="{9C50CDAD-ED80-1405-3189-D2012990073B}"/>
               </a:ext>
             </a:extLst>
           </p:cNvPr>
@@ -3827,7 +3819,7 @@
     </p:spTree>
     <p:extLst>
       <p:ext uri="{BB962C8B-B14F-4D97-AF65-F5344CB8AC3E}">
-        <p14:creationId xmlns:p14="http://schemas.microsoft.com/office/powerpoint/2010/main" val="3330811905"/>
+        <p14:creationId xmlns:p14="http://schemas.microsoft.com/office/powerpoint/2010/main" val="2842051602"/>
       </p:ext>
     </p:extLst>
   </p:cSld>
@@ -3859,7 +3851,7 @@
           <p:cNvPr id="2" name="Nadpis 1">
             <a:extLst>
               <a:ext uri="{FF2B5EF4-FFF2-40B4-BE49-F238E27FC236}">
-                <a16:creationId xmlns:a16="http://schemas.microsoft.com/office/drawing/2014/main" id="{460D1E9E-1BD5-2456-F681-26666F27567A}"/>
+                <a16:creationId xmlns:a16="http://schemas.microsoft.com/office/drawing/2014/main" id="{BE0C7E5D-4A6E-9D1D-12F7-C31DB7F1F3E7}"/>
               </a:ext>
             </a:extLst>
           </p:cNvPr>
@@ -3884,7 +3876,7 @@
           <p:cNvPr id="3" name="Zástupný obsah 2">
             <a:extLst>
               <a:ext uri="{FF2B5EF4-FFF2-40B4-BE49-F238E27FC236}">
-                <a16:creationId xmlns:a16="http://schemas.microsoft.com/office/drawing/2014/main" id="{E89F0831-7123-DA3D-60C8-E9694D5165FA}"/>
+                <a16:creationId xmlns:a16="http://schemas.microsoft.com/office/drawing/2014/main" id="{365640BE-034F-842F-AED9-4A94E8697D53}"/>
               </a:ext>
             </a:extLst>
           </p:cNvPr>
@@ -3907,7 +3899,7 @@
     </p:spTree>
     <p:extLst>
       <p:ext uri="{BB962C8B-B14F-4D97-AF65-F5344CB8AC3E}">
-        <p14:creationId xmlns:p14="http://schemas.microsoft.com/office/powerpoint/2010/main" val="3940879277"/>
+        <p14:creationId xmlns:p14="http://schemas.microsoft.com/office/powerpoint/2010/main" val="3330811905"/>
       </p:ext>
     </p:extLst>
   </p:cSld>
@@ -3939,7 +3931,7 @@
           <p:cNvPr id="2" name="Nadpis 1">
             <a:extLst>
               <a:ext uri="{FF2B5EF4-FFF2-40B4-BE49-F238E27FC236}">
-                <a16:creationId xmlns:a16="http://schemas.microsoft.com/office/drawing/2014/main" id="{D0A9FC90-7A7A-05F0-FD7F-43A61C785938}"/>
+                <a16:creationId xmlns:a16="http://schemas.microsoft.com/office/drawing/2014/main" id="{460D1E9E-1BD5-2456-F681-26666F27567A}"/>
               </a:ext>
             </a:extLst>
           </p:cNvPr>
@@ -3964,7 +3956,7 @@
           <p:cNvPr id="3" name="Zástupný obsah 2">
             <a:extLst>
               <a:ext uri="{FF2B5EF4-FFF2-40B4-BE49-F238E27FC236}">
-                <a16:creationId xmlns:a16="http://schemas.microsoft.com/office/drawing/2014/main" id="{C5633878-EACA-9500-26DB-4486E9E5E330}"/>
+                <a16:creationId xmlns:a16="http://schemas.microsoft.com/office/drawing/2014/main" id="{E89F0831-7123-DA3D-60C8-E9694D5165FA}"/>
               </a:ext>
             </a:extLst>
           </p:cNvPr>
@@ -3987,7 +3979,7 @@
     </p:spTree>
     <p:extLst>
       <p:ext uri="{BB962C8B-B14F-4D97-AF65-F5344CB8AC3E}">
-        <p14:creationId xmlns:p14="http://schemas.microsoft.com/office/powerpoint/2010/main" val="4035234596"/>
+        <p14:creationId xmlns:p14="http://schemas.microsoft.com/office/powerpoint/2010/main" val="3940879277"/>
       </p:ext>
     </p:extLst>
   </p:cSld>
@@ -4019,7 +4011,7 @@
           <p:cNvPr id="2" name="Nadpis 1">
             <a:extLst>
               <a:ext uri="{FF2B5EF4-FFF2-40B4-BE49-F238E27FC236}">
-                <a16:creationId xmlns:a16="http://schemas.microsoft.com/office/drawing/2014/main" id="{F8949832-1117-2372-2ED8-930668C8225A}"/>
+                <a16:creationId xmlns:a16="http://schemas.microsoft.com/office/drawing/2014/main" id="{D0A9FC90-7A7A-05F0-FD7F-43A61C785938}"/>
               </a:ext>
             </a:extLst>
           </p:cNvPr>
@@ -4044,7 +4036,7 @@
           <p:cNvPr id="3" name="Zástupný obsah 2">
             <a:extLst>
               <a:ext uri="{FF2B5EF4-FFF2-40B4-BE49-F238E27FC236}">
-                <a16:creationId xmlns:a16="http://schemas.microsoft.com/office/drawing/2014/main" id="{20B594E6-0A06-6920-30AF-651BDBE6B87B}"/>
+                <a16:creationId xmlns:a16="http://schemas.microsoft.com/office/drawing/2014/main" id="{C5633878-EACA-9500-26DB-4486E9E5E330}"/>
               </a:ext>
             </a:extLst>
           </p:cNvPr>
@@ -4067,7 +4059,7 @@
     </p:spTree>
     <p:extLst>
       <p:ext uri="{BB962C8B-B14F-4D97-AF65-F5344CB8AC3E}">
-        <p14:creationId xmlns:p14="http://schemas.microsoft.com/office/powerpoint/2010/main" val="1322712353"/>
+        <p14:creationId xmlns:p14="http://schemas.microsoft.com/office/powerpoint/2010/main" val="4035234596"/>
       </p:ext>
     </p:extLst>
   </p:cSld>
@@ -4099,7 +4091,7 @@
           <p:cNvPr id="2" name="Nadpis 1">
             <a:extLst>
               <a:ext uri="{FF2B5EF4-FFF2-40B4-BE49-F238E27FC236}">
-                <a16:creationId xmlns:a16="http://schemas.microsoft.com/office/drawing/2014/main" id="{5CCDFF14-932A-E7CE-5CA0-51F0C787A6AF}"/>
+                <a16:creationId xmlns:a16="http://schemas.microsoft.com/office/drawing/2014/main" id="{F8949832-1117-2372-2ED8-930668C8225A}"/>
               </a:ext>
             </a:extLst>
           </p:cNvPr>
@@ -4124,7 +4116,7 @@
           <p:cNvPr id="3" name="Zástupný obsah 2">
             <a:extLst>
               <a:ext uri="{FF2B5EF4-FFF2-40B4-BE49-F238E27FC236}">
-                <a16:creationId xmlns:a16="http://schemas.microsoft.com/office/drawing/2014/main" id="{2DD042F0-6C41-C193-D990-FE04440DD333}"/>
+                <a16:creationId xmlns:a16="http://schemas.microsoft.com/office/drawing/2014/main" id="{20B594E6-0A06-6920-30AF-651BDBE6B87B}"/>
               </a:ext>
             </a:extLst>
           </p:cNvPr>
@@ -4147,7 +4139,7 @@
     </p:spTree>
     <p:extLst>
       <p:ext uri="{BB962C8B-B14F-4D97-AF65-F5344CB8AC3E}">
-        <p14:creationId xmlns:p14="http://schemas.microsoft.com/office/powerpoint/2010/main" val="3992447462"/>
+        <p14:creationId xmlns:p14="http://schemas.microsoft.com/office/powerpoint/2010/main" val="1322712353"/>
       </p:ext>
     </p:extLst>
   </p:cSld>
@@ -4179,7 +4171,7 @@
           <p:cNvPr id="2" name="Nadpis 1">
             <a:extLst>
               <a:ext uri="{FF2B5EF4-FFF2-40B4-BE49-F238E27FC236}">
-                <a16:creationId xmlns:a16="http://schemas.microsoft.com/office/drawing/2014/main" id="{AA601C2B-4690-6305-6E03-9760457DB810}"/>
+                <a16:creationId xmlns:a16="http://schemas.microsoft.com/office/drawing/2014/main" id="{5CCDFF14-932A-E7CE-5CA0-51F0C787A6AF}"/>
               </a:ext>
             </a:extLst>
           </p:cNvPr>
@@ -4204,7 +4196,7 @@
           <p:cNvPr id="3" name="Zástupný obsah 2">
             <a:extLst>
               <a:ext uri="{FF2B5EF4-FFF2-40B4-BE49-F238E27FC236}">
-                <a16:creationId xmlns:a16="http://schemas.microsoft.com/office/drawing/2014/main" id="{BDD00A54-C28E-1F06-7C53-662558889308}"/>
+                <a16:creationId xmlns:a16="http://schemas.microsoft.com/office/drawing/2014/main" id="{2DD042F0-6C41-C193-D990-FE04440DD333}"/>
               </a:ext>
             </a:extLst>
           </p:cNvPr>
@@ -4227,7 +4219,7 @@
     </p:spTree>
     <p:extLst>
       <p:ext uri="{BB962C8B-B14F-4D97-AF65-F5344CB8AC3E}">
-        <p14:creationId xmlns:p14="http://schemas.microsoft.com/office/powerpoint/2010/main" val="195731721"/>
+        <p14:creationId xmlns:p14="http://schemas.microsoft.com/office/powerpoint/2010/main" val="3992447462"/>
       </p:ext>
     </p:extLst>
   </p:cSld>
@@ -4240,6 +4232,14 @@
 <file path=ppt/slides/slide2.xml><?xml version="1.0" encoding="utf-8"?>
 <p:sld xmlns:a="http://schemas.openxmlformats.org/drawingml/2006/main" xmlns:r="http://schemas.openxmlformats.org/officeDocument/2006/relationships" xmlns:p="http://schemas.openxmlformats.org/presentationml/2006/main">
   <p:cSld>
+    <p:bg>
+      <p:bgPr>
+        <a:solidFill>
+          <a:schemeClr val="bg1"/>
+        </a:solidFill>
+        <a:effectLst/>
+      </p:bgPr>
+    </p:bg>
     <p:spTree>
       <p:nvGrpSpPr>
         <p:cNvPr id="1" name=""/>
@@ -4254,6 +4254,137 @@
           <a:chExt cx="0" cy="0"/>
         </a:xfrm>
       </p:grpSpPr>
+      <p:pic>
+        <p:nvPicPr>
+          <p:cNvPr id="7" name="Picture 4" descr="Z odročního robota">
+            <a:extLst>
+              <a:ext uri="{FF2B5EF4-FFF2-40B4-BE49-F238E27FC236}">
+                <a16:creationId xmlns:a16="http://schemas.microsoft.com/office/drawing/2014/main" id="{C2F85B2E-55D7-0B1B-1F76-201D95C08722}"/>
+              </a:ext>
+            </a:extLst>
+          </p:cNvPr>
+          <p:cNvPicPr>
+            <a:picLocks noChangeAspect="1"/>
+          </p:cNvPicPr>
+          <p:nvPr/>
+        </p:nvPicPr>
+        <p:blipFill rotWithShape="1">
+          <a:blip r:embed="rId2">
+            <a:duotone>
+              <a:prstClr val="black"/>
+              <a:schemeClr val="tx2">
+                <a:tint val="45000"/>
+                <a:satMod val="400000"/>
+              </a:schemeClr>
+            </a:duotone>
+          </a:blip>
+          <a:srcRect t="21329"/>
+          <a:stretch/>
+        </p:blipFill>
+        <p:spPr>
+          <a:xfrm>
+            <a:off x="20" y="10"/>
+            <a:ext cx="12191980" cy="6857990"/>
+          </a:xfrm>
+          <a:prstGeom prst="rect">
+            <a:avLst/>
+          </a:prstGeom>
+        </p:spPr>
+      </p:pic>
+      <p:sp>
+        <p:nvSpPr>
+          <p:cNvPr id="8" name="Rectangle 8">
+            <a:extLst>
+              <a:ext uri="{FF2B5EF4-FFF2-40B4-BE49-F238E27FC236}">
+                <a16:creationId xmlns:a16="http://schemas.microsoft.com/office/drawing/2014/main" id="{B4147794-66B7-4CDE-BC75-BBDC48B2FCEB}"/>
+              </a:ext>
+              <a:ext uri="{C183D7F6-B498-43B3-948B-1728B52AA6E4}">
+                <adec:decorative xmlns:adec="http://schemas.microsoft.com/office/drawing/2017/decorative" val="1"/>
+              </a:ext>
+            </a:extLst>
+          </p:cNvPr>
+          <p:cNvSpPr>
+            <a:spLocks noGrp="1" noRot="1" noChangeAspect="1" noMove="1" noResize="1" noEditPoints="1" noAdjustHandles="1" noChangeArrowheads="1" noChangeShapeType="1" noTextEdit="1"/>
+          </p:cNvSpPr>
+          <p:nvPr>
+            <p:extLst>
+              <p:ext uri="{386F3935-93C4-4BCD-93E2-E3B085C9AB24}">
+                <p16:designElem xmlns:p16="http://schemas.microsoft.com/office/powerpoint/2015/main" val="1"/>
+              </p:ext>
+            </p:extLst>
+          </p:nvPr>
+        </p:nvSpPr>
+        <p:spPr>
+          <a:xfrm>
+            <a:off x="3559481" y="0"/>
+            <a:ext cx="7718119" cy="6858000"/>
+          </a:xfrm>
+          <a:prstGeom prst="rect">
+            <a:avLst/>
+          </a:prstGeom>
+          <a:solidFill>
+            <a:schemeClr val="bg1">
+              <a:alpha val="88000"/>
+            </a:schemeClr>
+          </a:solidFill>
+          <a:ln>
+            <a:noFill/>
+          </a:ln>
+        </p:spPr>
+        <p:style>
+          <a:lnRef idx="2">
+            <a:schemeClr val="accent1">
+              <a:shade val="50000"/>
+            </a:schemeClr>
+          </a:lnRef>
+          <a:fillRef idx="1">
+            <a:schemeClr val="accent1"/>
+          </a:fillRef>
+          <a:effectRef idx="0">
+            <a:schemeClr val="accent1"/>
+          </a:effectRef>
+          <a:fontRef idx="minor">
+            <a:schemeClr val="lt1"/>
+          </a:fontRef>
+        </p:style>
+        <p:txBody>
+          <a:bodyPr rtlCol="0" anchor="ctr"/>
+          <a:lstStyle/>
+          <a:p>
+            <a:pPr marL="0" marR="0" lvl="0" indent="0" algn="ctr" defTabSz="914400" rtl="0" eaLnBrk="1" fontAlgn="auto" latinLnBrk="0" hangingPunct="1">
+              <a:lnSpc>
+                <a:spcPct val="100000"/>
+              </a:lnSpc>
+              <a:spcBef>
+                <a:spcPts val="0"/>
+              </a:spcBef>
+              <a:spcAft>
+                <a:spcPts val="0"/>
+              </a:spcAft>
+              <a:buClrTx/>
+              <a:buSzTx/>
+              <a:buFontTx/>
+              <a:buNone/>
+              <a:tabLst/>
+              <a:defRPr/>
+            </a:pPr>
+            <a:endParaRPr kumimoji="0" lang="en-US" sz="1800" b="0" i="0" u="none" strike="noStrike" kern="1200" cap="none" spc="0" normalizeH="0" baseline="0" noProof="0">
+              <a:ln>
+                <a:noFill/>
+              </a:ln>
+              <a:solidFill>
+                <a:srgbClr val="FFFFFF"/>
+              </a:solidFill>
+              <a:effectLst/>
+              <a:uLnTx/>
+              <a:uFillTx/>
+              <a:latin typeface="Century Schoolbook" panose="02040604050505020304"/>
+              <a:ea typeface="+mn-ea"/>
+              <a:cs typeface="+mn-cs"/>
+            </a:endParaRPr>
+          </a:p>
+        </p:txBody>
+      </p:sp>
       <p:sp>
         <p:nvSpPr>
           <p:cNvPr id="2" name="Nadpis 1">
@@ -4270,12 +4401,29 @@
             <p:ph type="title"/>
           </p:nvPr>
         </p:nvSpPr>
-        <p:spPr/>
-        <p:txBody>
-          <a:bodyPr/>
-          <a:lstStyle/>
-          <a:p>
-            <a:endParaRPr lang="cs-CZ"/>
+        <p:spPr>
+          <a:xfrm>
+            <a:off x="4050889" y="365758"/>
+            <a:ext cx="6784259" cy="1828800"/>
+          </a:xfrm>
+        </p:spPr>
+        <p:txBody>
+          <a:bodyPr>
+            <a:normAutofit/>
+          </a:bodyPr>
+          <a:lstStyle/>
+          <a:p>
+            <a:r>
+              <a:rPr lang="cs-CZ" sz="4800">
+                <a:solidFill>
+                  <a:schemeClr val="tx1">
+                    <a:lumMod val="85000"/>
+                    <a:lumOff val="15000"/>
+                  </a:schemeClr>
+                </a:solidFill>
+              </a:rPr>
+              <a:t>Robotika</a:t>
+            </a:r>
           </a:p>
         </p:txBody>
       </p:sp>
@@ -4295,23 +4443,95 @@
             <p:ph idx="1"/>
           </p:nvPr>
         </p:nvSpPr>
-        <p:spPr/>
-        <p:txBody>
-          <a:bodyPr vert="horz" lIns="91440" tIns="45720" rIns="91440" bIns="45720" rtlCol="0" anchor="t">
+        <p:spPr>
+          <a:xfrm>
+            <a:off x="4050889" y="2324100"/>
+            <a:ext cx="6784259" cy="3875087"/>
+          </a:xfrm>
+        </p:spPr>
+        <p:txBody>
+          <a:bodyPr vert="horz" lIns="91440" tIns="45720" rIns="91440" bIns="45720" rtlCol="0">
             <a:normAutofit/>
           </a:bodyPr>
           <a:lstStyle/>
           <a:p>
             <a:r>
-              <a:rPr lang="cs-CZ" dirty="0">
-                <a:ea typeface="+mn-lt"/>
-                <a:cs typeface="+mn-lt"/>
-              </a:rPr>
-              <a:t>https://cs.wikipedia.org/wiki/Robotika</a:t>
-            </a:r>
-            <a:endParaRPr lang="cs-CZ"/>
-          </a:p>
-        </p:txBody>
+              <a:rPr lang="cs-CZ" sz="2400"/>
+              <a:t>Věda o robotech a jejich designu</a:t>
+            </a:r>
+          </a:p>
+          <a:p>
+            <a:r>
+              <a:rPr lang="cs-CZ" sz="2400"/>
+              <a:t>Robotika úzce spolupracvuje se softwarem a mechanikou </a:t>
+            </a:r>
+          </a:p>
+          <a:p>
+            <a:r>
+              <a:rPr lang="cs-CZ" sz="2400"/>
+              <a:t>Rozlišujeme podle mnoha keytérií</a:t>
+            </a:r>
+          </a:p>
+        </p:txBody>
+      </p:sp>
+      <p:sp>
+        <p:nvSpPr>
+          <p:cNvPr id="14" name="Rectangle 10">
+            <a:extLst>
+              <a:ext uri="{FF2B5EF4-FFF2-40B4-BE49-F238E27FC236}">
+                <a16:creationId xmlns:a16="http://schemas.microsoft.com/office/drawing/2014/main" id="{41202E79-1236-4DF8-9921-F47A0B079C13}"/>
+              </a:ext>
+              <a:ext uri="{C183D7F6-B498-43B3-948B-1728B52AA6E4}">
+                <adec:decorative xmlns:adec="http://schemas.microsoft.com/office/drawing/2017/decorative" val="1"/>
+              </a:ext>
+            </a:extLst>
+          </p:cNvPr>
+          <p:cNvSpPr>
+            <a:spLocks noGrp="1" noRot="1" noChangeAspect="1" noMove="1" noResize="1" noEditPoints="1" noAdjustHandles="1" noChangeArrowheads="1" noChangeShapeType="1" noTextEdit="1"/>
+          </p:cNvSpPr>
+          <p:nvPr>
+            <p:extLst>
+              <p:ext uri="{386F3935-93C4-4BCD-93E2-E3B085C9AB24}">
+                <p16:designElem xmlns:p16="http://schemas.microsoft.com/office/powerpoint/2015/main" val="1"/>
+              </p:ext>
+            </p:extLst>
+          </p:nvPr>
+        </p:nvSpPr>
+        <p:spPr>
+          <a:xfrm>
+            <a:off x="11277600" y="0"/>
+            <a:ext cx="914400" cy="6858000"/>
+          </a:xfrm>
+          <a:prstGeom prst="rect">
+            <a:avLst/>
+          </a:prstGeom>
+          <a:solidFill>
+            <a:schemeClr val="tx1">
+              <a:lumMod val="85000"/>
+              <a:lumOff val="15000"/>
+              <a:alpha val="40000"/>
+            </a:schemeClr>
+          </a:solidFill>
+          <a:ln>
+            <a:noFill/>
+          </a:ln>
+        </p:spPr>
+        <p:style>
+          <a:lnRef idx="2">
+            <a:schemeClr val="accent1">
+              <a:shade val="50000"/>
+            </a:schemeClr>
+          </a:lnRef>
+          <a:fillRef idx="1">
+            <a:schemeClr val="accent1"/>
+          </a:fillRef>
+          <a:effectRef idx="0">
+            <a:schemeClr val="accent1"/>
+          </a:effectRef>
+          <a:fontRef idx="minor">
+            <a:schemeClr val="lt1"/>
+          </a:fontRef>
+        </p:style>
       </p:sp>
     </p:spTree>
     <p:extLst>
@@ -4348,7 +4568,7 @@
           <p:cNvPr id="2" name="Nadpis 1">
             <a:extLst>
               <a:ext uri="{FF2B5EF4-FFF2-40B4-BE49-F238E27FC236}">
-                <a16:creationId xmlns:a16="http://schemas.microsoft.com/office/drawing/2014/main" id="{94603B15-63FD-B73F-B1E4-F5EFB48C6214}"/>
+                <a16:creationId xmlns:a16="http://schemas.microsoft.com/office/drawing/2014/main" id="{AA601C2B-4690-6305-6E03-9760457DB810}"/>
               </a:ext>
             </a:extLst>
           </p:cNvPr>
@@ -4364,7 +4584,113 @@
           <a:bodyPr/>
           <a:lstStyle/>
           <a:p>
-            <a:endParaRPr lang="cs-CZ"/>
+            <a:r>
+              <a:rPr lang="cs-CZ" dirty="0"/>
+              <a:t>Zdroje</a:t>
+            </a:r>
+          </a:p>
+        </p:txBody>
+      </p:sp>
+      <p:sp>
+        <p:nvSpPr>
+          <p:cNvPr id="3" name="Zástupný obsah 2">
+            <a:extLst>
+              <a:ext uri="{FF2B5EF4-FFF2-40B4-BE49-F238E27FC236}">
+                <a16:creationId xmlns:a16="http://schemas.microsoft.com/office/drawing/2014/main" id="{BDD00A54-C28E-1F06-7C53-662558889308}"/>
+              </a:ext>
+            </a:extLst>
+          </p:cNvPr>
+          <p:cNvSpPr>
+            <a:spLocks noGrp="1"/>
+          </p:cNvSpPr>
+          <p:nvPr>
+            <p:ph idx="1"/>
+          </p:nvPr>
+        </p:nvSpPr>
+        <p:spPr/>
+        <p:txBody>
+          <a:bodyPr/>
+          <a:lstStyle/>
+          <a:p>
+            <a:r>
+              <a:rPr lang="cs-CZ" dirty="0">
+                <a:ea typeface="+mn-lt"/>
+                <a:cs typeface="+mn-lt"/>
+              </a:rPr>
+              <a:t>https://cs.wikipedia.org/wiki/Robotika</a:t>
+            </a:r>
+            <a:endParaRPr lang="cs-CZ" dirty="0"/>
+          </a:p>
+          <a:p>
+            <a:r>
+              <a:rPr lang="cs-CZ" dirty="0">
+                <a:ea typeface="+mn-lt"/>
+                <a:cs typeface="+mn-lt"/>
+              </a:rPr>
+              <a:t>https://en.wikipedia.org/wiki/Lego_Mindstorms</a:t>
+            </a:r>
+            <a:endParaRPr lang="cs-CZ" dirty="0"/>
+          </a:p>
+          <a:p>
+            <a:endParaRPr lang="cs-CZ" dirty="0"/>
+          </a:p>
+        </p:txBody>
+      </p:sp>
+    </p:spTree>
+    <p:extLst>
+      <p:ext uri="{BB962C8B-B14F-4D97-AF65-F5344CB8AC3E}">
+        <p14:creationId xmlns:p14="http://schemas.microsoft.com/office/powerpoint/2010/main" val="195731721"/>
+      </p:ext>
+    </p:extLst>
+  </p:cSld>
+  <p:clrMapOvr>
+    <a:masterClrMapping/>
+  </p:clrMapOvr>
+</p:sld>
+</file>
+
+<file path=ppt/slides/slide21.xml><?xml version="1.0" encoding="utf-8"?>
+<p:sld xmlns:a="http://schemas.openxmlformats.org/drawingml/2006/main" xmlns:r="http://schemas.openxmlformats.org/officeDocument/2006/relationships" xmlns:p="http://schemas.openxmlformats.org/presentationml/2006/main">
+  <p:cSld>
+    <p:spTree>
+      <p:nvGrpSpPr>
+        <p:cNvPr id="1" name=""/>
+        <p:cNvGrpSpPr/>
+        <p:nvPr/>
+      </p:nvGrpSpPr>
+      <p:grpSpPr>
+        <a:xfrm>
+          <a:off x="0" y="0"/>
+          <a:ext cx="0" cy="0"/>
+          <a:chOff x="0" y="0"/>
+          <a:chExt cx="0" cy="0"/>
+        </a:xfrm>
+      </p:grpSpPr>
+      <p:sp>
+        <p:nvSpPr>
+          <p:cNvPr id="2" name="Nadpis 1">
+            <a:extLst>
+              <a:ext uri="{FF2B5EF4-FFF2-40B4-BE49-F238E27FC236}">
+                <a16:creationId xmlns:a16="http://schemas.microsoft.com/office/drawing/2014/main" id="{94603B15-63FD-B73F-B1E4-F5EFB48C6214}"/>
+              </a:ext>
+            </a:extLst>
+          </p:cNvPr>
+          <p:cNvSpPr>
+            <a:spLocks noGrp="1"/>
+          </p:cNvSpPr>
+          <p:nvPr>
+            <p:ph type="title"/>
+          </p:nvPr>
+        </p:nvSpPr>
+        <p:spPr/>
+        <p:txBody>
+          <a:bodyPr/>
+          <a:lstStyle/>
+          <a:p>
+            <a:r>
+              <a:rPr lang="cs-CZ" dirty="0"/>
+              <a:t>Děkuji za pozornost</a:t>
+            </a:r>
           </a:p>
         </p:txBody>
       </p:sp>
@@ -4409,6 +4735,14 @@
 <file path=ppt/slides/slide3.xml><?xml version="1.0" encoding="utf-8"?>
 <p:sld xmlns:a="http://schemas.openxmlformats.org/drawingml/2006/main" xmlns:r="http://schemas.openxmlformats.org/officeDocument/2006/relationships" xmlns:p="http://schemas.openxmlformats.org/presentationml/2006/main">
   <p:cSld>
+    <p:bg>
+      <p:bgPr>
+        <a:solidFill>
+          <a:schemeClr val="bg1"/>
+        </a:solidFill>
+        <a:effectLst/>
+      </p:bgPr>
+    </p:bg>
     <p:spTree>
       <p:nvGrpSpPr>
         <p:cNvPr id="1" name=""/>
@@ -4423,12 +4757,193 @@
           <a:chExt cx="0" cy="0"/>
         </a:xfrm>
       </p:grpSpPr>
+      <p:sp useBgFill="1">
+        <p:nvSpPr>
+          <p:cNvPr id="2073" name="Rectangle 2072">
+            <a:extLst>
+              <a:ext uri="{FF2B5EF4-FFF2-40B4-BE49-F238E27FC236}">
+                <a16:creationId xmlns:a16="http://schemas.microsoft.com/office/drawing/2014/main" id="{9AA72BD9-2C5A-4EDC-931F-5AA08EACA0F3}"/>
+              </a:ext>
+              <a:ext uri="{C183D7F6-B498-43B3-948B-1728B52AA6E4}">
+                <adec:decorative xmlns:adec="http://schemas.microsoft.com/office/drawing/2017/decorative" val="1"/>
+              </a:ext>
+            </a:extLst>
+          </p:cNvPr>
+          <p:cNvSpPr>
+            <a:spLocks noGrp="1" noRot="1" noChangeAspect="1" noMove="1" noResize="1" noEditPoints="1" noAdjustHandles="1" noChangeArrowheads="1" noChangeShapeType="1" noTextEdit="1"/>
+          </p:cNvSpPr>
+          <p:nvPr>
+            <p:extLst>
+              <p:ext uri="{386F3935-93C4-4BCD-93E2-E3B085C9AB24}">
+                <p16:designElem xmlns:p16="http://schemas.microsoft.com/office/powerpoint/2015/main" val="1"/>
+              </p:ext>
+            </p:extLst>
+          </p:nvPr>
+        </p:nvSpPr>
+        <p:spPr>
+          <a:xfrm>
+            <a:off x="0" y="0"/>
+            <a:ext cx="12192000" cy="6858000"/>
+          </a:xfrm>
+          <a:prstGeom prst="rect">
+            <a:avLst/>
+          </a:prstGeom>
+          <a:ln>
+            <a:noFill/>
+          </a:ln>
+        </p:spPr>
+        <p:style>
+          <a:lnRef idx="2">
+            <a:schemeClr val="accent1">
+              <a:shade val="50000"/>
+            </a:schemeClr>
+          </a:lnRef>
+          <a:fillRef idx="1">
+            <a:schemeClr val="accent1"/>
+          </a:fillRef>
+          <a:effectRef idx="0">
+            <a:schemeClr val="accent1"/>
+          </a:effectRef>
+          <a:fontRef idx="minor">
+            <a:schemeClr val="lt1"/>
+          </a:fontRef>
+        </p:style>
+        <p:txBody>
+          <a:bodyPr rtlCol="0" anchor="ctr"/>
+          <a:lstStyle/>
+          <a:p>
+            <a:pPr algn="ctr"/>
+            <a:endParaRPr lang="en-US"/>
+          </a:p>
+        </p:txBody>
+      </p:sp>
+      <p:pic>
+        <p:nvPicPr>
+          <p:cNvPr id="5" name="Content Placeholder 4" descr="A picture containing person&#10;&#10;Description automatically generated">
+            <a:extLst>
+              <a:ext uri="{FF2B5EF4-FFF2-40B4-BE49-F238E27FC236}">
+                <a16:creationId xmlns:a16="http://schemas.microsoft.com/office/drawing/2014/main" id="{F69FC646-EB6D-76BF-0195-B2632A2D6275}"/>
+              </a:ext>
+            </a:extLst>
+          </p:cNvPr>
+          <p:cNvPicPr>
+            <a:picLocks noChangeAspect="1"/>
+          </p:cNvPicPr>
+          <p:nvPr/>
+        </p:nvPicPr>
+        <p:blipFill rotWithShape="1">
+          <a:blip r:embed="rId2">
+            <a:extLst>
+              <a:ext uri="{28A0092B-C50C-407E-A947-70E740481C1C}">
+                <a14:useLocalDpi xmlns:a14="http://schemas.microsoft.com/office/drawing/2010/main" val="0"/>
+              </a:ext>
+            </a:extLst>
+          </a:blip>
+          <a:srcRect l="13287" r="26952" b="9090"/>
+          <a:stretch/>
+        </p:blipFill>
+        <p:spPr>
+          <a:xfrm>
+            <a:off x="3522468" y="10"/>
+            <a:ext cx="8669532" cy="6857990"/>
+          </a:xfrm>
+          <a:prstGeom prst="rect">
+            <a:avLst/>
+          </a:prstGeom>
+        </p:spPr>
+      </p:pic>
+      <p:sp>
+        <p:nvSpPr>
+          <p:cNvPr id="2075" name="Rectangle 2074">
+            <a:extLst>
+              <a:ext uri="{FF2B5EF4-FFF2-40B4-BE49-F238E27FC236}">
+                <a16:creationId xmlns:a16="http://schemas.microsoft.com/office/drawing/2014/main" id="{DD3981AC-7B61-4947-BCF3-F7AA7FA385B9}"/>
+              </a:ext>
+              <a:ext uri="{C183D7F6-B498-43B3-948B-1728B52AA6E4}">
+                <adec:decorative xmlns:adec="http://schemas.microsoft.com/office/drawing/2017/decorative" val="1"/>
+              </a:ext>
+            </a:extLst>
+          </p:cNvPr>
+          <p:cNvSpPr>
+            <a:spLocks noGrp="1" noRot="1" noChangeAspect="1" noMove="1" noResize="1" noEditPoints="1" noAdjustHandles="1" noChangeArrowheads="1" noChangeShapeType="1" noTextEdit="1"/>
+          </p:cNvSpPr>
+          <p:nvPr>
+            <p:extLst>
+              <p:ext uri="{386F3935-93C4-4BCD-93E2-E3B085C9AB24}">
+                <p16:designElem xmlns:p16="http://schemas.microsoft.com/office/powerpoint/2015/main" val="1"/>
+              </p:ext>
+            </p:extLst>
+          </p:nvPr>
+        </p:nvSpPr>
+        <p:spPr>
+          <a:xfrm>
+            <a:off x="2" y="0"/>
+            <a:ext cx="9756601" cy="6858000"/>
+          </a:xfrm>
+          <a:prstGeom prst="rect">
+            <a:avLst/>
+          </a:prstGeom>
+          <a:gradFill>
+            <a:gsLst>
+              <a:gs pos="58000">
+                <a:schemeClr val="bg1"/>
+              </a:gs>
+              <a:gs pos="35000">
+                <a:schemeClr val="bg1">
+                  <a:alpha val="78000"/>
+                </a:schemeClr>
+              </a:gs>
+              <a:gs pos="19000">
+                <a:schemeClr val="bg1">
+                  <a:alpha val="38000"/>
+                </a:schemeClr>
+              </a:gs>
+              <a:gs pos="0">
+                <a:schemeClr val="bg1">
+                  <a:alpha val="0"/>
+                </a:schemeClr>
+              </a:gs>
+              <a:gs pos="100000">
+                <a:schemeClr val="bg1"/>
+              </a:gs>
+            </a:gsLst>
+            <a:lin ang="10800000" scaled="0"/>
+          </a:gradFill>
+          <a:ln>
+            <a:noFill/>
+          </a:ln>
+        </p:spPr>
+        <p:style>
+          <a:lnRef idx="2">
+            <a:schemeClr val="accent1">
+              <a:shade val="50000"/>
+            </a:schemeClr>
+          </a:lnRef>
+          <a:fillRef idx="1">
+            <a:schemeClr val="accent1"/>
+          </a:fillRef>
+          <a:effectRef idx="0">
+            <a:schemeClr val="accent1"/>
+          </a:effectRef>
+          <a:fontRef idx="minor">
+            <a:schemeClr val="lt1"/>
+          </a:fontRef>
+        </p:style>
+        <p:txBody>
+          <a:bodyPr rtlCol="0" anchor="ctr"/>
+          <a:lstStyle/>
+          <a:p>
+            <a:pPr algn="ctr"/>
+            <a:endParaRPr lang="en-US" dirty="0"/>
+          </a:p>
+        </p:txBody>
+      </p:sp>
       <p:sp>
         <p:nvSpPr>
           <p:cNvPr id="2" name="Nadpis 1">
             <a:extLst>
               <a:ext uri="{FF2B5EF4-FFF2-40B4-BE49-F238E27FC236}">
-                <a16:creationId xmlns:a16="http://schemas.microsoft.com/office/drawing/2014/main" id="{7A3176E8-B3B1-DF8A-CA79-92E98CDCF6F4}"/>
+                <a16:creationId xmlns:a16="http://schemas.microsoft.com/office/drawing/2014/main" id="{382EFAE6-5EE0-4982-82CC-2702A0F41659}"/>
               </a:ext>
             </a:extLst>
           </p:cNvPr>
@@ -4439,49 +4954,227 @@
             <p:ph type="title"/>
           </p:nvPr>
         </p:nvSpPr>
-        <p:spPr/>
-        <p:txBody>
-          <a:bodyPr/>
-          <a:lstStyle/>
-          <a:p>
-            <a:endParaRPr lang="cs-CZ"/>
-          </a:p>
-        </p:txBody>
-      </p:sp>
-      <p:sp>
-        <p:nvSpPr>
-          <p:cNvPr id="3" name="Zástupný obsah 2">
+        <p:spPr>
+          <a:xfrm>
+            <a:off x="371094" y="1161288"/>
+            <a:ext cx="3438144" cy="1124712"/>
+          </a:xfrm>
+        </p:spPr>
+        <p:txBody>
+          <a:bodyPr anchor="b">
+            <a:normAutofit/>
+          </a:bodyPr>
+          <a:lstStyle/>
+          <a:p>
+            <a:r>
+              <a:rPr lang="cs-CZ" sz="2800"/>
+              <a:t>Historie</a:t>
+            </a:r>
+          </a:p>
+        </p:txBody>
+      </p:sp>
+      <p:sp>
+        <p:nvSpPr>
+          <p:cNvPr id="2077" name="Rectangle 2076">
             <a:extLst>
               <a:ext uri="{FF2B5EF4-FFF2-40B4-BE49-F238E27FC236}">
-                <a16:creationId xmlns:a16="http://schemas.microsoft.com/office/drawing/2014/main" id="{3914BC0D-B814-6F44-91A1-9E8F012D7733}"/>
+                <a16:creationId xmlns:a16="http://schemas.microsoft.com/office/drawing/2014/main" id="{55D4142C-5077-457F-A6AD-3FECFDB39685}"/>
+              </a:ext>
+              <a:ext uri="{C183D7F6-B498-43B3-948B-1728B52AA6E4}">
+                <adec:decorative xmlns:adec="http://schemas.microsoft.com/office/drawing/2017/decorative" val="1"/>
               </a:ext>
             </a:extLst>
           </p:cNvPr>
           <p:cNvSpPr>
+            <a:spLocks noGrp="1" noRot="1" noChangeAspect="1" noMove="1" noResize="1" noEditPoints="1" noAdjustHandles="1" noChangeArrowheads="1" noChangeShapeType="1" noTextEdit="1"/>
+          </p:cNvSpPr>
+          <p:nvPr>
+            <p:extLst>
+              <p:ext uri="{386F3935-93C4-4BCD-93E2-E3B085C9AB24}">
+                <p16:designElem xmlns:p16="http://schemas.microsoft.com/office/powerpoint/2015/main" val="1"/>
+              </p:ext>
+            </p:extLst>
+          </p:nvPr>
+        </p:nvSpPr>
+        <p:spPr>
+          <a:xfrm rot="5400000">
+            <a:off x="662559" y="605790"/>
+            <a:ext cx="73152" cy="548640"/>
+          </a:xfrm>
+          <a:prstGeom prst="rect">
+            <a:avLst/>
+          </a:prstGeom>
+          <a:solidFill>
+            <a:schemeClr val="accent2"/>
+          </a:solidFill>
+          <a:ln>
+            <a:noFill/>
+          </a:ln>
+        </p:spPr>
+        <p:style>
+          <a:lnRef idx="2">
+            <a:schemeClr val="accent1">
+              <a:shade val="50000"/>
+            </a:schemeClr>
+          </a:lnRef>
+          <a:fillRef idx="1">
+            <a:schemeClr val="accent1"/>
+          </a:fillRef>
+          <a:effectRef idx="0">
+            <a:schemeClr val="accent1"/>
+          </a:effectRef>
+          <a:fontRef idx="minor">
+            <a:schemeClr val="lt1"/>
+          </a:fontRef>
+        </p:style>
+        <p:txBody>
+          <a:bodyPr rtlCol="0" anchor="ctr"/>
+          <a:lstStyle/>
+          <a:p>
+            <a:pPr algn="ctr"/>
+            <a:endParaRPr lang="en-US">
+              <a:solidFill>
+                <a:prstClr val="white"/>
+              </a:solidFill>
+              <a:latin typeface="Calibri" panose="020F0502020204030204"/>
+            </a:endParaRPr>
+          </a:p>
+        </p:txBody>
+      </p:sp>
+      <p:sp>
+        <p:nvSpPr>
+          <p:cNvPr id="2079" name="Rectangle 2078">
+            <a:extLst>
+              <a:ext uri="{FF2B5EF4-FFF2-40B4-BE49-F238E27FC236}">
+                <a16:creationId xmlns:a16="http://schemas.microsoft.com/office/drawing/2014/main" id="{7A5F0580-5EE9-419F-96EE-B6529EF6E7D0}"/>
+              </a:ext>
+              <a:ext uri="{C183D7F6-B498-43B3-948B-1728B52AA6E4}">
+                <adec:decorative xmlns:adec="http://schemas.microsoft.com/office/drawing/2017/decorative" val="1"/>
+              </a:ext>
+            </a:extLst>
+          </p:cNvPr>
+          <p:cNvSpPr>
+            <a:spLocks noGrp="1" noRot="1" noChangeAspect="1" noMove="1" noResize="1" noEditPoints="1" noAdjustHandles="1" noChangeArrowheads="1" noChangeShapeType="1" noTextEdit="1"/>
+          </p:cNvSpPr>
+          <p:nvPr>
+            <p:extLst>
+              <p:ext uri="{386F3935-93C4-4BCD-93E2-E3B085C9AB24}">
+                <p16:designElem xmlns:p16="http://schemas.microsoft.com/office/powerpoint/2015/main" val="1"/>
+              </p:ext>
+            </p:extLst>
+          </p:nvPr>
+        </p:nvSpPr>
+        <p:spPr>
+          <a:xfrm>
+            <a:off x="428244" y="2443480"/>
+            <a:ext cx="3300984" cy="18288"/>
+          </a:xfrm>
+          <a:prstGeom prst="rect">
+            <a:avLst/>
+          </a:prstGeom>
+          <a:solidFill>
+            <a:schemeClr val="tx1"/>
+          </a:solidFill>
+          <a:ln w="3175">
+            <a:noFill/>
+          </a:ln>
+          <a:effectLst/>
+        </p:spPr>
+        <p:style>
+          <a:lnRef idx="2">
+            <a:schemeClr val="accent1">
+              <a:shade val="50000"/>
+            </a:schemeClr>
+          </a:lnRef>
+          <a:fillRef idx="1">
+            <a:schemeClr val="accent1"/>
+          </a:fillRef>
+          <a:effectRef idx="0">
+            <a:schemeClr val="accent1"/>
+          </a:effectRef>
+          <a:fontRef idx="minor">
+            <a:schemeClr val="lt1"/>
+          </a:fontRef>
+        </p:style>
+        <p:txBody>
+          <a:bodyPr rtlCol="0" anchor="ctr"/>
+          <a:lstStyle/>
+          <a:p>
+            <a:pPr marL="0" marR="0" lvl="0" indent="0" algn="ctr" defTabSz="914400" rtl="0" eaLnBrk="1" fontAlgn="auto" latinLnBrk="0" hangingPunct="1">
+              <a:lnSpc>
+                <a:spcPct val="100000"/>
+              </a:lnSpc>
+              <a:spcBef>
+                <a:spcPts val="0"/>
+              </a:spcBef>
+              <a:spcAft>
+                <a:spcPts val="0"/>
+              </a:spcAft>
+              <a:buClrTx/>
+              <a:buSzTx/>
+              <a:buFontTx/>
+              <a:buNone/>
+              <a:tabLst/>
+              <a:defRPr/>
+            </a:pPr>
+            <a:endParaRPr kumimoji="0" lang="en-US" sz="1800" b="0" i="0" u="none" strike="noStrike" kern="1200" cap="none" spc="0" normalizeH="0" baseline="0" noProof="0">
+              <a:ln>
+                <a:noFill/>
+              </a:ln>
+              <a:solidFill>
+                <a:prstClr val="white"/>
+              </a:solidFill>
+              <a:effectLst/>
+              <a:uLnTx/>
+              <a:uFillTx/>
+              <a:latin typeface="Calibri" panose="020F0502020204030204"/>
+              <a:ea typeface="+mn-ea"/>
+              <a:cs typeface="+mn-cs"/>
+            </a:endParaRPr>
+          </a:p>
+        </p:txBody>
+      </p:sp>
+      <p:sp>
+        <p:nvSpPr>
+          <p:cNvPr id="2070" name="Content Placeholder 2069">
+            <a:extLst>
+              <a:ext uri="{FF2B5EF4-FFF2-40B4-BE49-F238E27FC236}">
+                <a16:creationId xmlns:a16="http://schemas.microsoft.com/office/drawing/2014/main" id="{4E8E0942-D6E0-65BD-A1D8-EC622EAAAA3E}"/>
+              </a:ext>
+            </a:extLst>
+          </p:cNvPr>
+          <p:cNvSpPr>
             <a:spLocks noGrp="1"/>
           </p:cNvSpPr>
           <p:nvPr>
             <p:ph idx="1"/>
           </p:nvPr>
         </p:nvSpPr>
-        <p:spPr/>
-        <p:txBody>
-          <a:bodyPr/>
-          <a:lstStyle/>
-          <a:p>
-            <a:endParaRPr lang="cs-CZ"/>
+        <p:spPr>
+          <a:xfrm>
+            <a:off x="371094" y="2718054"/>
+            <a:ext cx="3438906" cy="3207258"/>
+          </a:xfrm>
+        </p:spPr>
+        <p:txBody>
+          <a:bodyPr anchor="t">
+            <a:normAutofit/>
+          </a:bodyPr>
+          <a:lstStyle/>
+          <a:p>
+            <a:endParaRPr lang="en-US" sz="1700" dirty="0"/>
           </a:p>
         </p:txBody>
       </p:sp>
     </p:spTree>
     <p:extLst>
       <p:ext uri="{BB962C8B-B14F-4D97-AF65-F5344CB8AC3E}">
-        <p14:creationId xmlns:p14="http://schemas.microsoft.com/office/powerpoint/2010/main" val="3805516175"/>
+        <p14:creationId xmlns:p14="http://schemas.microsoft.com/office/powerpoint/2010/main" val="1378309085"/>
       </p:ext>
     </p:extLst>
   </p:cSld>
   <p:clrMapOvr>
-    <a:masterClrMapping/>
+    <a:overrideClrMapping bg1="dk1" tx1="lt1" bg2="dk2" tx2="lt2" accent1="accent1" accent2="accent2" accent3="accent3" accent4="accent4" accent5="accent5" accent6="accent6" hlink="hlink" folHlink="folHlink"/>
   </p:clrMapOvr>
 </p:sld>
 </file>
@@ -4489,6 +5182,14 @@
 <file path=ppt/slides/slide4.xml><?xml version="1.0" encoding="utf-8"?>
 <p:sld xmlns:a="http://schemas.openxmlformats.org/drawingml/2006/main" xmlns:r="http://schemas.openxmlformats.org/officeDocument/2006/relationships" xmlns:p="http://schemas.openxmlformats.org/presentationml/2006/main">
   <p:cSld>
+    <p:bg>
+      <p:bgPr>
+        <a:solidFill>
+          <a:schemeClr val="bg1"/>
+        </a:solidFill>
+        <a:effectLst/>
+      </p:bgPr>
+    </p:bg>
     <p:spTree>
       <p:nvGrpSpPr>
         <p:cNvPr id="1" name=""/>
@@ -4503,12 +5204,143 @@
           <a:chExt cx="0" cy="0"/>
         </a:xfrm>
       </p:grpSpPr>
+      <p:pic>
+        <p:nvPicPr>
+          <p:cNvPr id="5" name="Picture 4" descr="Modrý malované továrna">
+            <a:extLst>
+              <a:ext uri="{FF2B5EF4-FFF2-40B4-BE49-F238E27FC236}">
+                <a16:creationId xmlns:a16="http://schemas.microsoft.com/office/drawing/2014/main" id="{FA18DB44-8C9F-DBC7-04DA-A305274A594F}"/>
+              </a:ext>
+            </a:extLst>
+          </p:cNvPr>
+          <p:cNvPicPr>
+            <a:picLocks noChangeAspect="1"/>
+          </p:cNvPicPr>
+          <p:nvPr/>
+        </p:nvPicPr>
+        <p:blipFill rotWithShape="1">
+          <a:blip r:embed="rId2">
+            <a:duotone>
+              <a:prstClr val="black"/>
+              <a:schemeClr val="tx2">
+                <a:tint val="45000"/>
+                <a:satMod val="400000"/>
+              </a:schemeClr>
+            </a:duotone>
+          </a:blip>
+          <a:srcRect t="15730"/>
+          <a:stretch/>
+        </p:blipFill>
+        <p:spPr>
+          <a:xfrm>
+            <a:off x="20" y="10"/>
+            <a:ext cx="12191980" cy="6857990"/>
+          </a:xfrm>
+          <a:prstGeom prst="rect">
+            <a:avLst/>
+          </a:prstGeom>
+        </p:spPr>
+      </p:pic>
+      <p:sp>
+        <p:nvSpPr>
+          <p:cNvPr id="9" name="Rectangle 8">
+            <a:extLst>
+              <a:ext uri="{FF2B5EF4-FFF2-40B4-BE49-F238E27FC236}">
+                <a16:creationId xmlns:a16="http://schemas.microsoft.com/office/drawing/2014/main" id="{B4147794-66B7-4CDE-BC75-BBDC48B2FCEB}"/>
+              </a:ext>
+              <a:ext uri="{C183D7F6-B498-43B3-948B-1728B52AA6E4}">
+                <adec:decorative xmlns:adec="http://schemas.microsoft.com/office/drawing/2017/decorative" val="1"/>
+              </a:ext>
+            </a:extLst>
+          </p:cNvPr>
+          <p:cNvSpPr>
+            <a:spLocks noGrp="1" noRot="1" noChangeAspect="1" noMove="1" noResize="1" noEditPoints="1" noAdjustHandles="1" noChangeArrowheads="1" noChangeShapeType="1" noTextEdit="1"/>
+          </p:cNvSpPr>
+          <p:nvPr>
+            <p:extLst>
+              <p:ext uri="{386F3935-93C4-4BCD-93E2-E3B085C9AB24}">
+                <p16:designElem xmlns:p16="http://schemas.microsoft.com/office/powerpoint/2015/main" val="1"/>
+              </p:ext>
+            </p:extLst>
+          </p:nvPr>
+        </p:nvSpPr>
+        <p:spPr>
+          <a:xfrm>
+            <a:off x="3559481" y="0"/>
+            <a:ext cx="7718119" cy="6858000"/>
+          </a:xfrm>
+          <a:prstGeom prst="rect">
+            <a:avLst/>
+          </a:prstGeom>
+          <a:solidFill>
+            <a:schemeClr val="bg1">
+              <a:alpha val="88000"/>
+            </a:schemeClr>
+          </a:solidFill>
+          <a:ln>
+            <a:noFill/>
+          </a:ln>
+        </p:spPr>
+        <p:style>
+          <a:lnRef idx="2">
+            <a:schemeClr val="accent1">
+              <a:shade val="50000"/>
+            </a:schemeClr>
+          </a:lnRef>
+          <a:fillRef idx="1">
+            <a:schemeClr val="accent1"/>
+          </a:fillRef>
+          <a:effectRef idx="0">
+            <a:schemeClr val="accent1"/>
+          </a:effectRef>
+          <a:fontRef idx="minor">
+            <a:schemeClr val="lt1"/>
+          </a:fontRef>
+        </p:style>
+        <p:txBody>
+          <a:bodyPr rtlCol="0" anchor="ctr"/>
+          <a:lstStyle/>
+          <a:p>
+            <a:pPr marL="0" marR="0" lvl="0" indent="0" algn="ctr" defTabSz="914400" rtl="0" eaLnBrk="1" fontAlgn="auto" latinLnBrk="0" hangingPunct="1">
+              <a:lnSpc>
+                <a:spcPct val="100000"/>
+              </a:lnSpc>
+              <a:spcBef>
+                <a:spcPts val="0"/>
+              </a:spcBef>
+              <a:spcAft>
+                <a:spcPts val="0"/>
+              </a:spcAft>
+              <a:buClrTx/>
+              <a:buSzTx/>
+              <a:buFontTx/>
+              <a:buNone/>
+              <a:tabLst/>
+              <a:defRPr/>
+            </a:pPr>
+            <a:endParaRPr kumimoji="0" lang="en-US" sz="1800" b="0" i="0" u="none" strike="noStrike" kern="1200" cap="none" spc="0" normalizeH="0" baseline="0" noProof="0">
+              <a:ln>
+                <a:noFill/>
+              </a:ln>
+              <a:solidFill>
+                <a:srgbClr val="FFFFFF"/>
+              </a:solidFill>
+              <a:effectLst/>
+              <a:uLnTx/>
+              <a:uFillTx/>
+              <a:latin typeface="Century Schoolbook" panose="02040604050505020304"/>
+              <a:ea typeface="+mn-ea"/>
+              <a:cs typeface="+mn-cs"/>
+            </a:endParaRPr>
+          </a:p>
+        </p:txBody>
+      </p:sp>
       <p:sp>
         <p:nvSpPr>
           <p:cNvPr id="2" name="Nadpis 1">
             <a:extLst>
               <a:ext uri="{FF2B5EF4-FFF2-40B4-BE49-F238E27FC236}">
-                <a16:creationId xmlns:a16="http://schemas.microsoft.com/office/drawing/2014/main" id="{EFA0BC8C-A666-95D5-291B-3CFCF667781F}"/>
+                <a16:creationId xmlns:a16="http://schemas.microsoft.com/office/drawing/2014/main" id="{7A3176E8-B3B1-DF8A-CA79-92E98CDCF6F4}"/>
               </a:ext>
             </a:extLst>
           </p:cNvPr>
@@ -4519,12 +5351,29 @@
             <p:ph type="title"/>
           </p:nvPr>
         </p:nvSpPr>
-        <p:spPr/>
-        <p:txBody>
-          <a:bodyPr/>
-          <a:lstStyle/>
-          <a:p>
-            <a:endParaRPr lang="cs-CZ"/>
+        <p:spPr>
+          <a:xfrm>
+            <a:off x="4050889" y="365758"/>
+            <a:ext cx="6784259" cy="1828800"/>
+          </a:xfrm>
+        </p:spPr>
+        <p:txBody>
+          <a:bodyPr>
+            <a:normAutofit/>
+          </a:bodyPr>
+          <a:lstStyle/>
+          <a:p>
+            <a:r>
+              <a:rPr lang="cs-CZ" sz="4800">
+                <a:solidFill>
+                  <a:schemeClr val="tx1">
+                    <a:lumMod val="85000"/>
+                    <a:lumOff val="15000"/>
+                  </a:schemeClr>
+                </a:solidFill>
+              </a:rPr>
+              <a:t>Průmyslová</a:t>
+            </a:r>
           </a:p>
         </p:txBody>
       </p:sp>
@@ -4533,7 +5382,7 @@
           <p:cNvPr id="3" name="Zástupný obsah 2">
             <a:extLst>
               <a:ext uri="{FF2B5EF4-FFF2-40B4-BE49-F238E27FC236}">
-                <a16:creationId xmlns:a16="http://schemas.microsoft.com/office/drawing/2014/main" id="{38491C03-EEE0-61C9-865E-371E052D8CD8}"/>
+                <a16:creationId xmlns:a16="http://schemas.microsoft.com/office/drawing/2014/main" id="{3914BC0D-B814-6F44-91A1-9E8F012D7733}"/>
               </a:ext>
             </a:extLst>
           </p:cNvPr>
@@ -4544,19 +5393,109 @@
             <p:ph idx="1"/>
           </p:nvPr>
         </p:nvSpPr>
-        <p:spPr/>
-        <p:txBody>
-          <a:bodyPr/>
-          <a:lstStyle/>
-          <a:p>
-            <a:endParaRPr lang="cs-CZ"/>
-          </a:p>
-        </p:txBody>
+        <p:spPr>
+          <a:xfrm>
+            <a:off x="4050889" y="2324100"/>
+            <a:ext cx="6784259" cy="3875087"/>
+          </a:xfrm>
+        </p:spPr>
+        <p:txBody>
+          <a:bodyPr>
+            <a:normAutofit/>
+          </a:bodyPr>
+          <a:lstStyle/>
+          <a:p>
+            <a:r>
+              <a:rPr lang="cs-CZ" sz="2400" dirty="0"/>
+              <a:t>Mouhou manipulovat s předměty díky pažím</a:t>
+            </a:r>
+          </a:p>
+          <a:p>
+            <a:r>
+              <a:rPr lang="cs-CZ" sz="2400" dirty="0"/>
+              <a:t>Jsou plně automatické</a:t>
+            </a:r>
+          </a:p>
+          <a:p>
+            <a:r>
+              <a:rPr lang="cs-CZ" sz="2400" dirty="0"/>
+              <a:t>Lehce programovatelné</a:t>
+            </a:r>
+          </a:p>
+          <a:p>
+            <a:r>
+              <a:rPr lang="cs-CZ" sz="2400" dirty="0"/>
+              <a:t>univerzální</a:t>
+            </a:r>
+          </a:p>
+          <a:p>
+            <a:endParaRPr lang="cs-CZ" sz="2400" dirty="0"/>
+          </a:p>
+        </p:txBody>
+      </p:sp>
+      <p:sp>
+        <p:nvSpPr>
+          <p:cNvPr id="11" name="Rectangle 10">
+            <a:extLst>
+              <a:ext uri="{FF2B5EF4-FFF2-40B4-BE49-F238E27FC236}">
+                <a16:creationId xmlns:a16="http://schemas.microsoft.com/office/drawing/2014/main" id="{41202E79-1236-4DF8-9921-F47A0B079C13}"/>
+              </a:ext>
+              <a:ext uri="{C183D7F6-B498-43B3-948B-1728B52AA6E4}">
+                <adec:decorative xmlns:adec="http://schemas.microsoft.com/office/drawing/2017/decorative" val="1"/>
+              </a:ext>
+            </a:extLst>
+          </p:cNvPr>
+          <p:cNvSpPr>
+            <a:spLocks noGrp="1" noRot="1" noChangeAspect="1" noMove="1" noResize="1" noEditPoints="1" noAdjustHandles="1" noChangeArrowheads="1" noChangeShapeType="1" noTextEdit="1"/>
+          </p:cNvSpPr>
+          <p:nvPr>
+            <p:extLst>
+              <p:ext uri="{386F3935-93C4-4BCD-93E2-E3B085C9AB24}">
+                <p16:designElem xmlns:p16="http://schemas.microsoft.com/office/powerpoint/2015/main" val="1"/>
+              </p:ext>
+            </p:extLst>
+          </p:nvPr>
+        </p:nvSpPr>
+        <p:spPr>
+          <a:xfrm>
+            <a:off x="11277600" y="0"/>
+            <a:ext cx="914400" cy="6858000"/>
+          </a:xfrm>
+          <a:prstGeom prst="rect">
+            <a:avLst/>
+          </a:prstGeom>
+          <a:solidFill>
+            <a:schemeClr val="tx1">
+              <a:lumMod val="85000"/>
+              <a:lumOff val="15000"/>
+              <a:alpha val="40000"/>
+            </a:schemeClr>
+          </a:solidFill>
+          <a:ln>
+            <a:noFill/>
+          </a:ln>
+        </p:spPr>
+        <p:style>
+          <a:lnRef idx="2">
+            <a:schemeClr val="accent1">
+              <a:shade val="50000"/>
+            </a:schemeClr>
+          </a:lnRef>
+          <a:fillRef idx="1">
+            <a:schemeClr val="accent1"/>
+          </a:fillRef>
+          <a:effectRef idx="0">
+            <a:schemeClr val="accent1"/>
+          </a:effectRef>
+          <a:fontRef idx="minor">
+            <a:schemeClr val="lt1"/>
+          </a:fontRef>
+        </p:style>
       </p:sp>
     </p:spTree>
     <p:extLst>
       <p:ext uri="{BB962C8B-B14F-4D97-AF65-F5344CB8AC3E}">
-        <p14:creationId xmlns:p14="http://schemas.microsoft.com/office/powerpoint/2010/main" val="125225758"/>
+        <p14:creationId xmlns:p14="http://schemas.microsoft.com/office/powerpoint/2010/main" val="3805516175"/>
       </p:ext>
     </p:extLst>
   </p:cSld>
@@ -4569,6 +5508,17 @@
 <file path=ppt/slides/slide5.xml><?xml version="1.0" encoding="utf-8"?>
 <p:sld xmlns:a="http://schemas.openxmlformats.org/drawingml/2006/main" xmlns:r="http://schemas.openxmlformats.org/officeDocument/2006/relationships" xmlns:p="http://schemas.openxmlformats.org/presentationml/2006/main">
   <p:cSld>
+    <p:bg>
+      <p:bgPr>
+        <a:solidFill>
+          <a:schemeClr val="bg1">
+            <a:tint val="95000"/>
+            <a:satMod val="170000"/>
+          </a:schemeClr>
+        </a:solidFill>
+        <a:effectLst/>
+      </p:bgPr>
+    </p:bg>
     <p:spTree>
       <p:nvGrpSpPr>
         <p:cNvPr id="1" name=""/>
@@ -4585,10 +5535,293 @@
       </p:grpSpPr>
       <p:sp>
         <p:nvSpPr>
+          <p:cNvPr id="3079" name="Rectangle 3078">
+            <a:extLst>
+              <a:ext uri="{FF2B5EF4-FFF2-40B4-BE49-F238E27FC236}">
+                <a16:creationId xmlns:a16="http://schemas.microsoft.com/office/drawing/2014/main" id="{EE1FC7B4-E4A7-4452-B413-1A623E3A7230}"/>
+              </a:ext>
+              <a:ext uri="{C183D7F6-B498-43B3-948B-1728B52AA6E4}">
+                <adec:decorative xmlns:adec="http://schemas.microsoft.com/office/drawing/2017/decorative" val="1"/>
+              </a:ext>
+            </a:extLst>
+          </p:cNvPr>
+          <p:cNvSpPr>
+            <a:spLocks noGrp="1" noRot="1" noChangeAspect="1" noMove="1" noResize="1" noEditPoints="1" noAdjustHandles="1" noChangeArrowheads="1" noChangeShapeType="1" noTextEdit="1"/>
+          </p:cNvSpPr>
+          <p:nvPr>
+            <p:extLst>
+              <p:ext uri="{386F3935-93C4-4BCD-93E2-E3B085C9AB24}">
+                <p16:designElem xmlns:p16="http://schemas.microsoft.com/office/powerpoint/2015/main" val="1"/>
+              </p:ext>
+            </p:extLst>
+          </p:nvPr>
+        </p:nvSpPr>
+        <p:spPr>
+          <a:xfrm>
+            <a:off x="0" y="-3324"/>
+            <a:ext cx="12192000" cy="6861324"/>
+          </a:xfrm>
+          <a:prstGeom prst="rect">
+            <a:avLst/>
+          </a:prstGeom>
+          <a:solidFill>
+            <a:schemeClr val="bg1">
+              <a:alpha val="9000"/>
+            </a:schemeClr>
+          </a:solidFill>
+          <a:ln>
+            <a:noFill/>
+          </a:ln>
+        </p:spPr>
+        <p:style>
+          <a:lnRef idx="2">
+            <a:schemeClr val="accent1">
+              <a:shade val="50000"/>
+            </a:schemeClr>
+          </a:lnRef>
+          <a:fillRef idx="1">
+            <a:schemeClr val="accent1"/>
+          </a:fillRef>
+          <a:effectRef idx="0">
+            <a:schemeClr val="accent1"/>
+          </a:effectRef>
+          <a:fontRef idx="minor">
+            <a:schemeClr val="lt1"/>
+          </a:fontRef>
+        </p:style>
+        <p:txBody>
+          <a:bodyPr rtlCol="0" anchor="ctr"/>
+          <a:lstStyle/>
+          <a:p>
+            <a:pPr algn="ctr"/>
+            <a:endParaRPr lang="en-US"/>
+          </a:p>
+        </p:txBody>
+      </p:sp>
+      <p:sp>
+        <p:nvSpPr>
+          <p:cNvPr id="3081" name="Freeform 13">
+            <a:extLst>
+              <a:ext uri="{FF2B5EF4-FFF2-40B4-BE49-F238E27FC236}">
+                <a16:creationId xmlns:a16="http://schemas.microsoft.com/office/drawing/2014/main" id="{E0709AF0-24F0-4486-B189-BE6386BDB198}"/>
+              </a:ext>
+              <a:ext uri="{C183D7F6-B498-43B3-948B-1728B52AA6E4}">
+                <adec:decorative xmlns:adec="http://schemas.microsoft.com/office/drawing/2017/decorative" val="1"/>
+              </a:ext>
+            </a:extLst>
+          </p:cNvPr>
+          <p:cNvSpPr>
+            <a:spLocks noGrp="1" noRot="1" noChangeAspect="1" noMove="1" noResize="1" noEditPoints="1" noAdjustHandles="1" noChangeArrowheads="1" noChangeShapeType="1" noTextEdit="1"/>
+          </p:cNvSpPr>
+          <p:nvPr>
+            <p:extLst>
+              <p:ext uri="{386F3935-93C4-4BCD-93E2-E3B085C9AB24}">
+                <p16:designElem xmlns:p16="http://schemas.microsoft.com/office/powerpoint/2015/main" val="1"/>
+              </p:ext>
+            </p:extLst>
+          </p:nvPr>
+        </p:nvSpPr>
+        <p:spPr>
+          <a:xfrm>
+            <a:off x="0" y="0"/>
+            <a:ext cx="11786754" cy="6858000"/>
+          </a:xfrm>
+          <a:custGeom>
+            <a:avLst/>
+            <a:gdLst>
+              <a:gd name="connsiteX0" fmla="*/ 0 w 11786754"/>
+              <a:gd name="connsiteY0" fmla="*/ 0 h 6858000"/>
+              <a:gd name="connsiteX1" fmla="*/ 8610600 w 11786754"/>
+              <a:gd name="connsiteY1" fmla="*/ 0 h 6858000"/>
+              <a:gd name="connsiteX2" fmla="*/ 11786754 w 11786754"/>
+              <a:gd name="connsiteY2" fmla="*/ 6858000 h 6858000"/>
+              <a:gd name="connsiteX3" fmla="*/ 0 w 11786754"/>
+              <a:gd name="connsiteY3" fmla="*/ 6858000 h 6858000"/>
+            </a:gdLst>
+            <a:ahLst/>
+            <a:cxnLst>
+              <a:cxn ang="0">
+                <a:pos x="connsiteX0" y="connsiteY0"/>
+              </a:cxn>
+              <a:cxn ang="0">
+                <a:pos x="connsiteX1" y="connsiteY1"/>
+              </a:cxn>
+              <a:cxn ang="0">
+                <a:pos x="connsiteX2" y="connsiteY2"/>
+              </a:cxn>
+              <a:cxn ang="0">
+                <a:pos x="connsiteX3" y="connsiteY3"/>
+              </a:cxn>
+            </a:cxnLst>
+            <a:rect l="l" t="t" r="r" b="b"/>
+            <a:pathLst>
+              <a:path w="11786754" h="6858000">
+                <a:moveTo>
+                  <a:pt x="0" y="0"/>
+                </a:moveTo>
+                <a:lnTo>
+                  <a:pt x="8610600" y="0"/>
+                </a:lnTo>
+                <a:lnTo>
+                  <a:pt x="11786754" y="6858000"/>
+                </a:lnTo>
+                <a:lnTo>
+                  <a:pt x="0" y="6858000"/>
+                </a:lnTo>
+                <a:close/>
+              </a:path>
+            </a:pathLst>
+          </a:custGeom>
+          <a:solidFill>
+            <a:schemeClr val="bg1">
+              <a:alpha val="30000"/>
+            </a:schemeClr>
+          </a:solidFill>
+          <a:ln>
+            <a:noFill/>
+          </a:ln>
+        </p:spPr>
+        <p:style>
+          <a:lnRef idx="2">
+            <a:schemeClr val="accent1">
+              <a:shade val="50000"/>
+            </a:schemeClr>
+          </a:lnRef>
+          <a:fillRef idx="1">
+            <a:schemeClr val="accent1"/>
+          </a:fillRef>
+          <a:effectRef idx="0">
+            <a:schemeClr val="accent1"/>
+          </a:effectRef>
+          <a:fontRef idx="minor">
+            <a:schemeClr val="lt1"/>
+          </a:fontRef>
+        </p:style>
+        <p:txBody>
+          <a:bodyPr rtlCol="0" anchor="ctr"/>
+          <a:lstStyle/>
+          <a:p>
+            <a:pPr algn="ctr"/>
+            <a:endParaRPr lang="en-US"/>
+          </a:p>
+        </p:txBody>
+      </p:sp>
+      <p:sp>
+        <p:nvSpPr>
+          <p:cNvPr id="3083" name="Freeform 11">
+            <a:extLst>
+              <a:ext uri="{FF2B5EF4-FFF2-40B4-BE49-F238E27FC236}">
+                <a16:creationId xmlns:a16="http://schemas.microsoft.com/office/drawing/2014/main" id="{FBE3B62F-5853-4A3C-B050-6186351A7176}"/>
+              </a:ext>
+              <a:ext uri="{C183D7F6-B498-43B3-948B-1728B52AA6E4}">
+                <adec:decorative xmlns:adec="http://schemas.microsoft.com/office/drawing/2017/decorative" val="1"/>
+              </a:ext>
+            </a:extLst>
+          </p:cNvPr>
+          <p:cNvSpPr>
+            <a:spLocks noGrp="1" noRot="1" noChangeAspect="1" noMove="1" noResize="1" noEditPoints="1" noAdjustHandles="1" noChangeArrowheads="1" noChangeShapeType="1" noTextEdit="1"/>
+          </p:cNvSpPr>
+          <p:nvPr>
+            <p:extLst>
+              <p:ext uri="{386F3935-93C4-4BCD-93E2-E3B085C9AB24}">
+                <p16:designElem xmlns:p16="http://schemas.microsoft.com/office/powerpoint/2015/main" val="1"/>
+              </p:ext>
+            </p:extLst>
+          </p:nvPr>
+        </p:nvSpPr>
+        <p:spPr>
+          <a:xfrm>
+            <a:off x="0" y="0"/>
+            <a:ext cx="3581400" cy="6858000"/>
+          </a:xfrm>
+          <a:custGeom>
+            <a:avLst/>
+            <a:gdLst>
+              <a:gd name="connsiteX0" fmla="*/ 0 w 3581400"/>
+              <a:gd name="connsiteY0" fmla="*/ 0 h 6858000"/>
+              <a:gd name="connsiteX1" fmla="*/ 405246 w 3581400"/>
+              <a:gd name="connsiteY1" fmla="*/ 0 h 6858000"/>
+              <a:gd name="connsiteX2" fmla="*/ 3581400 w 3581400"/>
+              <a:gd name="connsiteY2" fmla="*/ 6858000 h 6858000"/>
+              <a:gd name="connsiteX3" fmla="*/ 0 w 3581400"/>
+              <a:gd name="connsiteY3" fmla="*/ 6858000 h 6858000"/>
+            </a:gdLst>
+            <a:ahLst/>
+            <a:cxnLst>
+              <a:cxn ang="0">
+                <a:pos x="connsiteX0" y="connsiteY0"/>
+              </a:cxn>
+              <a:cxn ang="0">
+                <a:pos x="connsiteX1" y="connsiteY1"/>
+              </a:cxn>
+              <a:cxn ang="0">
+                <a:pos x="connsiteX2" y="connsiteY2"/>
+              </a:cxn>
+              <a:cxn ang="0">
+                <a:pos x="connsiteX3" y="connsiteY3"/>
+              </a:cxn>
+            </a:cxnLst>
+            <a:rect l="l" t="t" r="r" b="b"/>
+            <a:pathLst>
+              <a:path w="3581400" h="6858000">
+                <a:moveTo>
+                  <a:pt x="0" y="0"/>
+                </a:moveTo>
+                <a:lnTo>
+                  <a:pt x="405246" y="0"/>
+                </a:lnTo>
+                <a:lnTo>
+                  <a:pt x="3581400" y="6858000"/>
+                </a:lnTo>
+                <a:lnTo>
+                  <a:pt x="0" y="6858000"/>
+                </a:lnTo>
+                <a:close/>
+              </a:path>
+            </a:pathLst>
+          </a:custGeom>
+          <a:solidFill>
+            <a:schemeClr val="bg1">
+              <a:alpha val="30000"/>
+            </a:schemeClr>
+          </a:solidFill>
+          <a:ln>
+            <a:noFill/>
+          </a:ln>
+        </p:spPr>
+        <p:style>
+          <a:lnRef idx="2">
+            <a:schemeClr val="accent1">
+              <a:shade val="50000"/>
+            </a:schemeClr>
+          </a:lnRef>
+          <a:fillRef idx="1">
+            <a:schemeClr val="accent1"/>
+          </a:fillRef>
+          <a:effectRef idx="0">
+            <a:schemeClr val="accent1"/>
+          </a:effectRef>
+          <a:fontRef idx="minor">
+            <a:schemeClr val="lt1"/>
+          </a:fontRef>
+        </p:style>
+        <p:txBody>
+          <a:bodyPr wrap="square" rtlCol="0" anchor="ctr">
+            <a:noAutofit/>
+          </a:bodyPr>
+          <a:lstStyle/>
+          <a:p>
+            <a:pPr algn="ctr"/>
+            <a:endParaRPr lang="en-US"/>
+          </a:p>
+        </p:txBody>
+      </p:sp>
+      <p:sp>
+        <p:nvSpPr>
           <p:cNvPr id="2" name="Nadpis 1">
             <a:extLst>
               <a:ext uri="{FF2B5EF4-FFF2-40B4-BE49-F238E27FC236}">
-                <a16:creationId xmlns:a16="http://schemas.microsoft.com/office/drawing/2014/main" id="{382EFAE6-5EE0-4982-82CC-2702A0F41659}"/>
+                <a16:creationId xmlns:a16="http://schemas.microsoft.com/office/drawing/2014/main" id="{EFA0BC8C-A666-95D5-291B-3CFCF667781F}"/>
               </a:ext>
             </a:extLst>
           </p:cNvPr>
@@ -4599,12 +5832,22 @@
             <p:ph type="title"/>
           </p:nvPr>
         </p:nvSpPr>
-        <p:spPr/>
-        <p:txBody>
-          <a:bodyPr/>
-          <a:lstStyle/>
-          <a:p>
-            <a:endParaRPr lang="cs-CZ"/>
+        <p:spPr>
+          <a:xfrm>
+            <a:off x="833002" y="448253"/>
+            <a:ext cx="10520702" cy="1325563"/>
+          </a:xfrm>
+        </p:spPr>
+        <p:txBody>
+          <a:bodyPr>
+            <a:normAutofit/>
+          </a:bodyPr>
+          <a:lstStyle/>
+          <a:p>
+            <a:r>
+              <a:rPr lang="cs-CZ"/>
+              <a:t>Historie průmyslové robotiky</a:t>
+            </a:r>
           </a:p>
         </p:txBody>
       </p:sp>
@@ -4613,7 +5856,7 @@
           <p:cNvPr id="3" name="Zástupný obsah 2">
             <a:extLst>
               <a:ext uri="{FF2B5EF4-FFF2-40B4-BE49-F238E27FC236}">
-                <a16:creationId xmlns:a16="http://schemas.microsoft.com/office/drawing/2014/main" id="{1DAB4BAB-E3DF-6F29-5D24-35A5586234C3}"/>
+                <a16:creationId xmlns:a16="http://schemas.microsoft.com/office/drawing/2014/main" id="{38491C03-EEE0-61C9-865E-371E052D8CD8}"/>
               </a:ext>
             </a:extLst>
           </p:cNvPr>
@@ -4624,24 +5867,117 @@
             <p:ph idx="1"/>
           </p:nvPr>
         </p:nvSpPr>
-        <p:spPr/>
-        <p:txBody>
-          <a:bodyPr/>
-          <a:lstStyle/>
-          <a:p>
-            <a:endParaRPr lang="cs-CZ"/>
-          </a:p>
-        </p:txBody>
-      </p:sp>
+        <p:spPr>
+          <a:xfrm>
+            <a:off x="838200" y="2191807"/>
+            <a:ext cx="4936067" cy="3985155"/>
+          </a:xfrm>
+        </p:spPr>
+        <p:txBody>
+          <a:bodyPr>
+            <a:normAutofit/>
+          </a:bodyPr>
+          <a:lstStyle/>
+          <a:p>
+            <a:r>
+              <a:rPr lang="cs-CZ" sz="2000" b="0" i="0">
+                <a:effectLst/>
+                <a:latin typeface="Arial" panose="020B0604020202020204" pitchFamily="34" charset="0"/>
+              </a:rPr>
+              <a:t>První automatizované stroje se obevili až v 19. století</a:t>
+            </a:r>
+          </a:p>
+          <a:p>
+            <a:r>
+              <a:rPr lang="cs-CZ" sz="2000" b="0" i="0">
+                <a:effectLst/>
+                <a:latin typeface="Arial" panose="020B0604020202020204" pitchFamily="34" charset="0"/>
+              </a:rPr>
+              <a:t>Roku 1954 firma Unimation vyrbyla prvního průmyslového robota. Tento robot byl nasazen do průmyslu v roce </a:t>
+            </a:r>
+            <a:r>
+              <a:rPr lang="cs-CZ" sz="2000">
+                <a:latin typeface="Arial" panose="020B0604020202020204" pitchFamily="34" charset="0"/>
+              </a:rPr>
+              <a:t>1961</a:t>
+            </a:r>
+            <a:r>
+              <a:rPr lang="cs-CZ" sz="2000" b="0" i="0">
+                <a:effectLst/>
+                <a:latin typeface="Arial" panose="020B0604020202020204" pitchFamily="34" charset="0"/>
+              </a:rPr>
+              <a:t>. </a:t>
+            </a:r>
+            <a:r>
+              <a:rPr lang="cs-CZ" sz="2000">
+                <a:latin typeface="Arial" panose="020B0604020202020204" pitchFamily="34" charset="0"/>
+              </a:rPr>
+              <a:t>Až koncem 70. let začali mít konkurenci.</a:t>
+            </a:r>
+          </a:p>
+          <a:p>
+            <a:r>
+              <a:rPr lang="cs-CZ" sz="2000" dirty="0"/>
+              <a:t>Dnešní komerční roboti s využívají v oblastech nevhodných pro člověka, montáž, transport, vesmírné bádání, vojenstí, atd...</a:t>
+            </a:r>
+          </a:p>
+        </p:txBody>
+      </p:sp>
+      <p:pic>
+        <p:nvPicPr>
+          <p:cNvPr id="3074" name="Picture 2" descr="Vojenský robot se vzepřel při výcviku. Po přílišném nátlaku převrátil stůl  a zachránil robotického psa - Interez Magazín">
+            <a:extLst>
+              <a:ext uri="{FF2B5EF4-FFF2-40B4-BE49-F238E27FC236}">
+                <a16:creationId xmlns:a16="http://schemas.microsoft.com/office/drawing/2014/main" id="{320E8094-FCD0-4238-1101-BF8C221FCC5C}"/>
+              </a:ext>
+            </a:extLst>
+          </p:cNvPr>
+          <p:cNvPicPr>
+            <a:picLocks noChangeAspect="1" noChangeArrowheads="1"/>
+          </p:cNvPicPr>
+          <p:nvPr/>
+        </p:nvPicPr>
+        <p:blipFill>
+          <a:blip r:embed="rId2">
+            <a:extLst>
+              <a:ext uri="{28A0092B-C50C-407E-A947-70E740481C1C}">
+                <a14:useLocalDpi xmlns:a14="http://schemas.microsoft.com/office/drawing/2010/main" val="0"/>
+              </a:ext>
+            </a:extLst>
+          </a:blip>
+          <a:stretch>
+            <a:fillRect/>
+          </a:stretch>
+        </p:blipFill>
+        <p:spPr bwMode="auto">
+          <a:xfrm>
+            <a:off x="6417734" y="2802313"/>
+            <a:ext cx="4935970" cy="2764143"/>
+          </a:xfrm>
+          <a:prstGeom prst="rect">
+            <a:avLst/>
+          </a:prstGeom>
+          <a:noFill/>
+          <a:extLst>
+            <a:ext uri="{909E8E84-426E-40DD-AFC4-6F175D3DCCD1}">
+              <a14:hiddenFill xmlns:a14="http://schemas.microsoft.com/office/drawing/2010/main">
+                <a:solidFill>
+                  <a:srgbClr val="FFFFFF"/>
+                </a:solidFill>
+              </a14:hiddenFill>
+            </a:ext>
+          </a:extLst>
+        </p:spPr>
+      </p:pic>
     </p:spTree>
     <p:extLst>
       <p:ext uri="{BB962C8B-B14F-4D97-AF65-F5344CB8AC3E}">
-        <p14:creationId xmlns:p14="http://schemas.microsoft.com/office/powerpoint/2010/main" val="1378309085"/>
+        <p14:creationId xmlns:p14="http://schemas.microsoft.com/office/powerpoint/2010/main" val="125225758"/>
       </p:ext>
     </p:extLst>
   </p:cSld>
   <p:clrMapOvr>
-    <a:masterClrMapping/>
+    <a:overrideClrMapping bg1="dk1" tx1="lt1" bg2="dk2" tx2="lt2" accent1="accent1" accent2="accent2" accent3="accent3" accent4="accent4" accent5="accent5" accent6="accent6" hlink="hlink" folHlink="folHlink"/>
   </p:clrMapOvr>
 </p:sld>
 </file>
@@ -4665,10 +6001,10 @@
       </p:grpSpPr>
       <p:sp>
         <p:nvSpPr>
-          <p:cNvPr id="2" name="Nadpis 1">
+          <p:cNvPr id="2" name="Title 1">
             <a:extLst>
               <a:ext uri="{FF2B5EF4-FFF2-40B4-BE49-F238E27FC236}">
-                <a16:creationId xmlns:a16="http://schemas.microsoft.com/office/drawing/2014/main" id="{79E4605B-FD5A-7EEF-FB8B-D6F4DC6B8D7D}"/>
+                <a16:creationId xmlns:a16="http://schemas.microsoft.com/office/drawing/2014/main" id="{A1109A15-0460-E1F9-4F34-0AD9EEE41678}"/>
               </a:ext>
             </a:extLst>
           </p:cNvPr>
@@ -4690,10 +6026,10 @@
       </p:sp>
       <p:sp>
         <p:nvSpPr>
-          <p:cNvPr id="3" name="Zástupný obsah 2">
+          <p:cNvPr id="3" name="Content Placeholder 2">
             <a:extLst>
               <a:ext uri="{FF2B5EF4-FFF2-40B4-BE49-F238E27FC236}">
-                <a16:creationId xmlns:a16="http://schemas.microsoft.com/office/drawing/2014/main" id="{F7D2EB60-1CCD-9089-A9A6-F23B2C3DA9AE}"/>
+                <a16:creationId xmlns:a16="http://schemas.microsoft.com/office/drawing/2014/main" id="{059B9BFF-2FCE-F06D-2CD6-1F1A6BE8D70B}"/>
               </a:ext>
             </a:extLst>
           </p:cNvPr>
@@ -4716,7 +6052,7 @@
     </p:spTree>
     <p:extLst>
       <p:ext uri="{BB962C8B-B14F-4D97-AF65-F5344CB8AC3E}">
-        <p14:creationId xmlns:p14="http://schemas.microsoft.com/office/powerpoint/2010/main" val="3598514794"/>
+        <p14:creationId xmlns:p14="http://schemas.microsoft.com/office/powerpoint/2010/main" val="14009635"/>
       </p:ext>
     </p:extLst>
   </p:cSld>
@@ -4748,7 +6084,7 @@
           <p:cNvPr id="2" name="Nadpis 1">
             <a:extLst>
               <a:ext uri="{FF2B5EF4-FFF2-40B4-BE49-F238E27FC236}">
-                <a16:creationId xmlns:a16="http://schemas.microsoft.com/office/drawing/2014/main" id="{549A68DD-8984-3803-4352-BA3A67FE9423}"/>
+                <a16:creationId xmlns:a16="http://schemas.microsoft.com/office/drawing/2014/main" id="{79E4605B-FD5A-7EEF-FB8B-D6F4DC6B8D7D}"/>
               </a:ext>
             </a:extLst>
           </p:cNvPr>
@@ -4773,7 +6109,7 @@
           <p:cNvPr id="3" name="Zástupný obsah 2">
             <a:extLst>
               <a:ext uri="{FF2B5EF4-FFF2-40B4-BE49-F238E27FC236}">
-                <a16:creationId xmlns:a16="http://schemas.microsoft.com/office/drawing/2014/main" id="{ACAD64E4-6274-3302-A5A3-4EFF3FDB89F3}"/>
+                <a16:creationId xmlns:a16="http://schemas.microsoft.com/office/drawing/2014/main" id="{F7D2EB60-1CCD-9089-A9A6-F23B2C3DA9AE}"/>
               </a:ext>
             </a:extLst>
           </p:cNvPr>
@@ -4796,7 +6132,7 @@
     </p:spTree>
     <p:extLst>
       <p:ext uri="{BB962C8B-B14F-4D97-AF65-F5344CB8AC3E}">
-        <p14:creationId xmlns:p14="http://schemas.microsoft.com/office/powerpoint/2010/main" val="2307304615"/>
+        <p14:creationId xmlns:p14="http://schemas.microsoft.com/office/powerpoint/2010/main" val="3598514794"/>
       </p:ext>
     </p:extLst>
   </p:cSld>
@@ -4828,7 +6164,7 @@
           <p:cNvPr id="2" name="Nadpis 1">
             <a:extLst>
               <a:ext uri="{FF2B5EF4-FFF2-40B4-BE49-F238E27FC236}">
-                <a16:creationId xmlns:a16="http://schemas.microsoft.com/office/drawing/2014/main" id="{8EF164D9-A3B6-C0CE-3C8F-99218BA77792}"/>
+                <a16:creationId xmlns:a16="http://schemas.microsoft.com/office/drawing/2014/main" id="{549A68DD-8984-3803-4352-BA3A67FE9423}"/>
               </a:ext>
             </a:extLst>
           </p:cNvPr>
@@ -4853,7 +6189,7 @@
           <p:cNvPr id="3" name="Zástupný obsah 2">
             <a:extLst>
               <a:ext uri="{FF2B5EF4-FFF2-40B4-BE49-F238E27FC236}">
-                <a16:creationId xmlns:a16="http://schemas.microsoft.com/office/drawing/2014/main" id="{C444F58D-3F40-2BB7-9DAF-2EE3FC3DA5EC}"/>
+                <a16:creationId xmlns:a16="http://schemas.microsoft.com/office/drawing/2014/main" id="{ACAD64E4-6274-3302-A5A3-4EFF3FDB89F3}"/>
               </a:ext>
             </a:extLst>
           </p:cNvPr>
@@ -4876,7 +6212,7 @@
     </p:spTree>
     <p:extLst>
       <p:ext uri="{BB962C8B-B14F-4D97-AF65-F5344CB8AC3E}">
-        <p14:creationId xmlns:p14="http://schemas.microsoft.com/office/powerpoint/2010/main" val="2772984534"/>
+        <p14:creationId xmlns:p14="http://schemas.microsoft.com/office/powerpoint/2010/main" val="2307304615"/>
       </p:ext>
     </p:extLst>
   </p:cSld>
@@ -4908,7 +6244,7 @@
           <p:cNvPr id="2" name="Nadpis 1">
             <a:extLst>
               <a:ext uri="{FF2B5EF4-FFF2-40B4-BE49-F238E27FC236}">
-                <a16:creationId xmlns:a16="http://schemas.microsoft.com/office/drawing/2014/main" id="{1BB8C4C3-F82A-1FBD-FB19-A54D30B1F450}"/>
+                <a16:creationId xmlns:a16="http://schemas.microsoft.com/office/drawing/2014/main" id="{8EF164D9-A3B6-C0CE-3C8F-99218BA77792}"/>
               </a:ext>
             </a:extLst>
           </p:cNvPr>
@@ -4933,7 +6269,7 @@
           <p:cNvPr id="3" name="Zástupný obsah 2">
             <a:extLst>
               <a:ext uri="{FF2B5EF4-FFF2-40B4-BE49-F238E27FC236}">
-                <a16:creationId xmlns:a16="http://schemas.microsoft.com/office/drawing/2014/main" id="{CA3DC9B0-0453-02F4-0F0F-EE9E406F734E}"/>
+                <a16:creationId xmlns:a16="http://schemas.microsoft.com/office/drawing/2014/main" id="{C444F58D-3F40-2BB7-9DAF-2EE3FC3DA5EC}"/>
               </a:ext>
             </a:extLst>
           </p:cNvPr>
@@ -4956,7 +6292,7 @@
     </p:spTree>
     <p:extLst>
       <p:ext uri="{BB962C8B-B14F-4D97-AF65-F5344CB8AC3E}">
-        <p14:creationId xmlns:p14="http://schemas.microsoft.com/office/powerpoint/2010/main" val="2622401637"/>
+        <p14:creationId xmlns:p14="http://schemas.microsoft.com/office/powerpoint/2010/main" val="2772984534"/>
       </p:ext>
     </p:extLst>
   </p:cSld>
@@ -5225,4 +6561,193 @@
     </a:ext>
   </a:extLst>
 </a:theme>
+</file>
+
+<file path=customXml/item1.xml><?xml version="1.0" encoding="utf-8"?>
+<ct:contentTypeSchema xmlns:ct="http://schemas.microsoft.com/office/2006/metadata/contentType" xmlns:ma="http://schemas.microsoft.com/office/2006/metadata/properties/metaAttributes" ct:_="" ma:_="" ma:contentTypeName="Dokument" ma:contentTypeID="0x010100D85058771A86E248B14BFCFEDA86EFB5" ma:contentTypeVersion="2" ma:contentTypeDescription="Vytvoří nový dokument" ma:contentTypeScope="" ma:versionID="10ce852783b6e4ffe3e84173aa8c44ba">
+  <xsd:schema xmlns:xsd="http://www.w3.org/2001/XMLSchema" xmlns:xs="http://www.w3.org/2001/XMLSchema" xmlns:p="http://schemas.microsoft.com/office/2006/metadata/properties" xmlns:ns3="2be20b7b-927d-4de0-aeaf-2c0a8b5923e1" targetNamespace="http://schemas.microsoft.com/office/2006/metadata/properties" ma:root="true" ma:fieldsID="a3f150fbb6b7749259dc4a06750da065" ns3:_="">
+    <xsd:import namespace="2be20b7b-927d-4de0-aeaf-2c0a8b5923e1"/>
+    <xsd:element name="properties">
+      <xsd:complexType>
+        <xsd:sequence>
+          <xsd:element name="documentManagement">
+            <xsd:complexType>
+              <xsd:all>
+                <xsd:element ref="ns3:MediaServiceMetadata" minOccurs="0"/>
+                <xsd:element ref="ns3:MediaServiceFastMetadata" minOccurs="0"/>
+              </xsd:all>
+            </xsd:complexType>
+          </xsd:element>
+        </xsd:sequence>
+      </xsd:complexType>
+    </xsd:element>
+  </xsd:schema>
+  <xsd:schema xmlns:xsd="http://www.w3.org/2001/XMLSchema" xmlns:xs="http://www.w3.org/2001/XMLSchema" xmlns:dms="http://schemas.microsoft.com/office/2006/documentManagement/types" xmlns:pc="http://schemas.microsoft.com/office/infopath/2007/PartnerControls" targetNamespace="2be20b7b-927d-4de0-aeaf-2c0a8b5923e1" elementFormDefault="qualified">
+    <xsd:import namespace="http://schemas.microsoft.com/office/2006/documentManagement/types"/>
+    <xsd:import namespace="http://schemas.microsoft.com/office/infopath/2007/PartnerControls"/>
+    <xsd:element name="MediaServiceMetadata" ma:index="8" nillable="true" ma:displayName="MediaServiceMetadata" ma:hidden="true" ma:internalName="MediaServiceMetadata" ma:readOnly="true">
+      <xsd:simpleType>
+        <xsd:restriction base="dms:Note"/>
+      </xsd:simpleType>
+    </xsd:element>
+    <xsd:element name="MediaServiceFastMetadata" ma:index="9" nillable="true" ma:displayName="MediaServiceFastMetadata" ma:hidden="true" ma:internalName="MediaServiceFastMetadata" ma:readOnly="true">
+      <xsd:simpleType>
+        <xsd:restriction base="dms:Note"/>
+      </xsd:simpleType>
+    </xsd:element>
+  </xsd:schema>
+  <xsd:schema xmlns="http://schemas.openxmlformats.org/package/2006/metadata/core-properties" xmlns:xsd="http://www.w3.org/2001/XMLSchema" xmlns:xsi="http://www.w3.org/2001/XMLSchema-instance" xmlns:dc="http://purl.org/dc/elements/1.1/" xmlns:dcterms="http://purl.org/dc/terms/" xmlns:odoc="http://schemas.microsoft.com/internal/obd" targetNamespace="http://schemas.openxmlformats.org/package/2006/metadata/core-properties" elementFormDefault="qualified" attributeFormDefault="unqualified" blockDefault="#all">
+    <xsd:import namespace="http://purl.org/dc/elements/1.1/" schemaLocation="http://dublincore.org/schemas/xmls/qdc/2003/04/02/dc.xsd"/>
+    <xsd:import namespace="http://purl.org/dc/terms/" schemaLocation="http://dublincore.org/schemas/xmls/qdc/2003/04/02/dcterms.xsd"/>
+    <xsd:element name="coreProperties" type="CT_coreProperties"/>
+    <xsd:complexType name="CT_coreProperties">
+      <xsd:all>
+        <xsd:element ref="dc:creator" minOccurs="0" maxOccurs="1"/>
+        <xsd:element ref="dcterms:created" minOccurs="0" maxOccurs="1"/>
+        <xsd:element ref="dc:identifier" minOccurs="0" maxOccurs="1"/>
+        <xsd:element name="contentType" minOccurs="0" maxOccurs="1" type="xsd:string" ma:index="0" ma:displayName="Typ obsahu"/>
+        <xsd:element ref="dc:title" minOccurs="0" maxOccurs="1" ma:index="4" ma:displayName="Nadpis"/>
+        <xsd:element ref="dc:subject" minOccurs="0" maxOccurs="1"/>
+        <xsd:element ref="dc:description" minOccurs="0" maxOccurs="1"/>
+        <xsd:element name="keywords" minOccurs="0" maxOccurs="1" type="xsd:string"/>
+        <xsd:element ref="dc:language" minOccurs="0" maxOccurs="1"/>
+        <xsd:element name="category" minOccurs="0" maxOccurs="1" type="xsd:string"/>
+        <xsd:element name="version" minOccurs="0" maxOccurs="1" type="xsd:string"/>
+        <xsd:element name="revision" minOccurs="0" maxOccurs="1" type="xsd:string">
+          <xsd:annotation>
+            <xsd:documentation>
+                        This value indicates the number of saves or revisions. The application is responsible for updating this value after each revision.
+                    </xsd:documentation>
+          </xsd:annotation>
+        </xsd:element>
+        <xsd:element name="lastModifiedBy" minOccurs="0" maxOccurs="1" type="xsd:string"/>
+        <xsd:element ref="dcterms:modified" minOccurs="0" maxOccurs="1"/>
+        <xsd:element name="contentStatus" minOccurs="0" maxOccurs="1" type="xsd:string"/>
+      </xsd:all>
+    </xsd:complexType>
+  </xsd:schema>
+  <xs:schema xmlns:pc="http://schemas.microsoft.com/office/infopath/2007/PartnerControls" xmlns:xs="http://www.w3.org/2001/XMLSchema" targetNamespace="http://schemas.microsoft.com/office/infopath/2007/PartnerControls" elementFormDefault="qualified" attributeFormDefault="unqualified">
+    <xs:element name="Person">
+      <xs:complexType>
+        <xs:sequence>
+          <xs:element ref="pc:DisplayName" minOccurs="0"/>
+          <xs:element ref="pc:AccountId" minOccurs="0"/>
+          <xs:element ref="pc:AccountType" minOccurs="0"/>
+        </xs:sequence>
+      </xs:complexType>
+    </xs:element>
+    <xs:element name="DisplayName" type="xs:string"/>
+    <xs:element name="AccountId" type="xs:string"/>
+    <xs:element name="AccountType" type="xs:string"/>
+    <xs:element name="BDCAssociatedEntity">
+      <xs:complexType>
+        <xs:sequence>
+          <xs:element ref="pc:BDCEntity" minOccurs="0" maxOccurs="unbounded"/>
+        </xs:sequence>
+        <xs:attribute ref="pc:EntityNamespace"/>
+        <xs:attribute ref="pc:EntityName"/>
+        <xs:attribute ref="pc:SystemInstanceName"/>
+        <xs:attribute ref="pc:AssociationName"/>
+      </xs:complexType>
+    </xs:element>
+    <xs:attribute name="EntityNamespace" type="xs:string"/>
+    <xs:attribute name="EntityName" type="xs:string"/>
+    <xs:attribute name="SystemInstanceName" type="xs:string"/>
+    <xs:attribute name="AssociationName" type="xs:string"/>
+    <xs:element name="BDCEntity">
+      <xs:complexType>
+        <xs:sequence>
+          <xs:element ref="pc:EntityDisplayName" minOccurs="0"/>
+          <xs:element ref="pc:EntityInstanceReference" minOccurs="0"/>
+          <xs:element ref="pc:EntityId1" minOccurs="0"/>
+          <xs:element ref="pc:EntityId2" minOccurs="0"/>
+          <xs:element ref="pc:EntityId3" minOccurs="0"/>
+          <xs:element ref="pc:EntityId4" minOccurs="0"/>
+          <xs:element ref="pc:EntityId5" minOccurs="0"/>
+        </xs:sequence>
+      </xs:complexType>
+    </xs:element>
+    <xs:element name="EntityDisplayName" type="xs:string"/>
+    <xs:element name="EntityInstanceReference" type="xs:string"/>
+    <xs:element name="EntityId1" type="xs:string"/>
+    <xs:element name="EntityId2" type="xs:string"/>
+    <xs:element name="EntityId3" type="xs:string"/>
+    <xs:element name="EntityId4" type="xs:string"/>
+    <xs:element name="EntityId5" type="xs:string"/>
+    <xs:element name="Terms">
+      <xs:complexType>
+        <xs:sequence>
+          <xs:element ref="pc:TermInfo" minOccurs="0" maxOccurs="unbounded"/>
+        </xs:sequence>
+      </xs:complexType>
+    </xs:element>
+    <xs:element name="TermInfo">
+      <xs:complexType>
+        <xs:sequence>
+          <xs:element ref="pc:TermName" minOccurs="0"/>
+          <xs:element ref="pc:TermId" minOccurs="0"/>
+        </xs:sequence>
+      </xs:complexType>
+    </xs:element>
+    <xs:element name="TermName" type="xs:string"/>
+    <xs:element name="TermId" type="xs:string"/>
+  </xs:schema>
+</ct:contentTypeSchema>
+</file>
+
+<file path=customXml/item2.xml><?xml version="1.0" encoding="utf-8"?>
+<?mso-contentType ?>
+<FormTemplates xmlns="http://schemas.microsoft.com/sharepoint/v3/contenttype/forms">
+  <Display>DocumentLibraryForm</Display>
+  <Edit>DocumentLibraryForm</Edit>
+  <New>DocumentLibraryForm</New>
+</FormTemplates>
+</file>
+
+<file path=customXml/item3.xml><?xml version="1.0" encoding="utf-8"?>
+<p:properties xmlns:p="http://schemas.microsoft.com/office/2006/metadata/properties" xmlns:xsi="http://www.w3.org/2001/XMLSchema-instance" xmlns:pc="http://schemas.microsoft.com/office/infopath/2007/PartnerControls">
+  <documentManagement/>
+</p:properties>
+</file>
+
+<file path=customXml/itemProps1.xml><?xml version="1.0" encoding="utf-8"?>
+<ds:datastoreItem xmlns:ds="http://schemas.openxmlformats.org/officeDocument/2006/customXml" ds:itemID="{D9DC6749-7C98-48F5-9E2B-D9B5FA4BE982}">
+  <ds:schemaRefs>
+    <ds:schemaRef ds:uri="http://schemas.microsoft.com/office/2006/metadata/contentType"/>
+    <ds:schemaRef ds:uri="http://schemas.microsoft.com/office/2006/metadata/properties/metaAttributes"/>
+    <ds:schemaRef ds:uri="http://www.w3.org/2001/XMLSchema"/>
+    <ds:schemaRef ds:uri="http://schemas.microsoft.com/office/2006/metadata/properties"/>
+    <ds:schemaRef ds:uri="2be20b7b-927d-4de0-aeaf-2c0a8b5923e1"/>
+    <ds:schemaRef ds:uri="http://schemas.microsoft.com/office/2006/documentManagement/types"/>
+    <ds:schemaRef ds:uri="http://schemas.microsoft.com/office/infopath/2007/PartnerControls"/>
+    <ds:schemaRef ds:uri="http://schemas.openxmlformats.org/package/2006/metadata/core-properties"/>
+    <ds:schemaRef ds:uri="http://purl.org/dc/elements/1.1/"/>
+    <ds:schemaRef ds:uri="http://purl.org/dc/terms/"/>
+    <ds:schemaRef ds:uri="http://schemas.microsoft.com/internal/obd"/>
+  </ds:schemaRefs>
+</ds:datastoreItem>
+</file>
+
+<file path=customXml/itemProps2.xml><?xml version="1.0" encoding="utf-8"?>
+<ds:datastoreItem xmlns:ds="http://schemas.openxmlformats.org/officeDocument/2006/customXml" ds:itemID="{50B2B047-54AB-4DBA-B57C-4968EF3B49D2}">
+  <ds:schemaRefs>
+    <ds:schemaRef ds:uri="http://schemas.microsoft.com/sharepoint/v3/contenttype/forms"/>
+  </ds:schemaRefs>
+</ds:datastoreItem>
+</file>
+
+<file path=customXml/itemProps3.xml><?xml version="1.0" encoding="utf-8"?>
+<ds:datastoreItem xmlns:ds="http://schemas.openxmlformats.org/officeDocument/2006/customXml" ds:itemID="{608F0A56-B4D1-4133-8B9A-A286DD3B38B3}">
+  <ds:schemaRefs>
+    <ds:schemaRef ds:uri="http://purl.org/dc/terms/"/>
+    <ds:schemaRef ds:uri="http://schemas.microsoft.com/office/2006/documentManagement/types"/>
+    <ds:schemaRef ds:uri="2be20b7b-927d-4de0-aeaf-2c0a8b5923e1"/>
+    <ds:schemaRef ds:uri="http://www.w3.org/XML/1998/namespace"/>
+    <ds:schemaRef ds:uri="http://purl.org/dc/dcmitype/"/>
+    <ds:schemaRef ds:uri="http://schemas.microsoft.com/office/infopath/2007/PartnerControls"/>
+    <ds:schemaRef ds:uri="http://schemas.openxmlformats.org/package/2006/metadata/core-properties"/>
+    <ds:schemaRef ds:uri="http://schemas.microsoft.com/office/2006/metadata/properties"/>
+    <ds:schemaRef ds:uri="http://purl.org/dc/elements/1.1/"/>
+  </ds:schemaRefs>
+</ds:datastoreItem>
 </file>